--- a/hw1-melchuk.pptx
+++ b/hw1-melchuk.pptx
@@ -7,6 +7,8 @@
   <p:sldIdLst>
     <p:sldId id="256" r:id="rId2"/>
     <p:sldId id="257" r:id="rId3"/>
+    <p:sldId id="258" r:id="rId4"/>
+    <p:sldId id="259" r:id="rId5"/>
   </p:sldIdLst>
   <p:sldSz cx="12192000" cy="6858000"/>
   <p:notesSz cx="6858000" cy="9144000"/>
@@ -105,11 +107,16 @@
       </a:defRPr>
     </a:lvl9pPr>
   </p:defaultTextStyle>
+  <p:extLst>
+    <p:ext uri="{EFAFB233-063F-42B5-8137-9DF3F51BA10A}">
+      <p15:sldGuideLst xmlns:p15="http://schemas.microsoft.com/office/powerpoint/2012/main"/>
+    </p:ext>
+  </p:extLst>
 </p:presentation>
 </file>
 
 <file path=ppt/slideLayouts/slideLayout1.xml><?xml version="1.0" encoding="utf-8"?>
-<p:sldLayout xmlns:a="http://schemas.openxmlformats.org/drawingml/2006/main" xmlns:r="http://schemas.openxmlformats.org/officeDocument/2006/relationships" xmlns:p="http://schemas.openxmlformats.org/presentationml/2006/main" type="title" preserve="1">
+<p:sldLayout xmlns:a="http://schemas.openxmlformats.org/drawingml/2006/main" xmlns:r="http://schemas.openxmlformats.org/officeDocument/2006/relationships" xmlns:p="http://schemas.openxmlformats.org/presentationml/2006/main" showMasterSp="0" type="title" preserve="1">
   <p:cSld name="Title Slide">
     <p:spTree>
       <p:nvGrpSpPr>
@@ -336,7 +343,7 @@
 </file>
 
 <file path=ppt/slideLayouts/slideLayout10.xml><?xml version="1.0" encoding="utf-8"?>
-<p:sldLayout xmlns:a="http://schemas.openxmlformats.org/drawingml/2006/main" xmlns:r="http://schemas.openxmlformats.org/officeDocument/2006/relationships" xmlns:p="http://schemas.openxmlformats.org/presentationml/2006/main" preserve="1">
+<p:sldLayout xmlns:a="http://schemas.openxmlformats.org/drawingml/2006/main" xmlns:r="http://schemas.openxmlformats.org/officeDocument/2006/relationships" xmlns:p="http://schemas.openxmlformats.org/presentationml/2006/main" showMasterSp="0" preserve="1">
   <p:cSld name="Panoramic Picture with Caption">
     <p:spTree>
       <p:nvGrpSpPr>
@@ -643,7 +650,7 @@
 </file>
 
 <file path=ppt/slideLayouts/slideLayout11.xml><?xml version="1.0" encoding="utf-8"?>
-<p:sldLayout xmlns:a="http://schemas.openxmlformats.org/drawingml/2006/main" xmlns:r="http://schemas.openxmlformats.org/officeDocument/2006/relationships" xmlns:p="http://schemas.openxmlformats.org/presentationml/2006/main" preserve="1">
+<p:sldLayout xmlns:a="http://schemas.openxmlformats.org/drawingml/2006/main" xmlns:r="http://schemas.openxmlformats.org/officeDocument/2006/relationships" xmlns:p="http://schemas.openxmlformats.org/presentationml/2006/main" showMasterSp="0" preserve="1">
   <p:cSld name="Title and Caption">
     <p:spTree>
       <p:nvGrpSpPr>
@@ -860,7 +867,7 @@
 </file>
 
 <file path=ppt/slideLayouts/slideLayout12.xml><?xml version="1.0" encoding="utf-8"?>
-<p:sldLayout xmlns:a="http://schemas.openxmlformats.org/drawingml/2006/main" xmlns:r="http://schemas.openxmlformats.org/officeDocument/2006/relationships" xmlns:p="http://schemas.openxmlformats.org/presentationml/2006/main" preserve="1">
+<p:sldLayout xmlns:a="http://schemas.openxmlformats.org/drawingml/2006/main" xmlns:r="http://schemas.openxmlformats.org/officeDocument/2006/relationships" xmlns:p="http://schemas.openxmlformats.org/presentationml/2006/main" showMasterSp="0" preserve="1">
   <p:cSld name="Quote with Caption">
     <p:spTree>
       <p:nvGrpSpPr>
@@ -1378,7 +1385,7 @@
 </file>
 
 <file path=ppt/slideLayouts/slideLayout13.xml><?xml version="1.0" encoding="utf-8"?>
-<p:sldLayout xmlns:a="http://schemas.openxmlformats.org/drawingml/2006/main" xmlns:r="http://schemas.openxmlformats.org/officeDocument/2006/relationships" xmlns:p="http://schemas.openxmlformats.org/presentationml/2006/main" preserve="1">
+<p:sldLayout xmlns:a="http://schemas.openxmlformats.org/drawingml/2006/main" xmlns:r="http://schemas.openxmlformats.org/officeDocument/2006/relationships" xmlns:p="http://schemas.openxmlformats.org/presentationml/2006/main" showMasterSp="0" preserve="1">
   <p:cSld name="Name Card">
     <p:spTree>
       <p:nvGrpSpPr>
@@ -1595,7 +1602,7 @@
 </file>
 
 <file path=ppt/slideLayouts/slideLayout14.xml><?xml version="1.0" encoding="utf-8"?>
-<p:sldLayout xmlns:a="http://schemas.openxmlformats.org/drawingml/2006/main" xmlns:r="http://schemas.openxmlformats.org/officeDocument/2006/relationships" xmlns:p="http://schemas.openxmlformats.org/presentationml/2006/main" preserve="1">
+<p:sldLayout xmlns:a="http://schemas.openxmlformats.org/drawingml/2006/main" xmlns:r="http://schemas.openxmlformats.org/officeDocument/2006/relationships" xmlns:p="http://schemas.openxmlformats.org/presentationml/2006/main" showMasterSp="0" preserve="1">
   <p:cSld name="3 Column">
     <p:spTree>
       <p:nvGrpSpPr>
@@ -2166,7 +2173,7 @@
 </file>
 
 <file path=ppt/slideLayouts/slideLayout15.xml><?xml version="1.0" encoding="utf-8"?>
-<p:sldLayout xmlns:a="http://schemas.openxmlformats.org/drawingml/2006/main" xmlns:r="http://schemas.openxmlformats.org/officeDocument/2006/relationships" xmlns:p="http://schemas.openxmlformats.org/presentationml/2006/main" preserve="1">
+<p:sldLayout xmlns:a="http://schemas.openxmlformats.org/drawingml/2006/main" xmlns:r="http://schemas.openxmlformats.org/officeDocument/2006/relationships" xmlns:p="http://schemas.openxmlformats.org/presentationml/2006/main" showMasterSp="0" preserve="1">
   <p:cSld name="3 Picture Column">
     <p:spTree>
       <p:nvGrpSpPr>
@@ -3013,7 +3020,7 @@
 </file>
 
 <file path=ppt/slideLayouts/slideLayout16.xml><?xml version="1.0" encoding="utf-8"?>
-<p:sldLayout xmlns:a="http://schemas.openxmlformats.org/drawingml/2006/main" xmlns:r="http://schemas.openxmlformats.org/officeDocument/2006/relationships" xmlns:p="http://schemas.openxmlformats.org/presentationml/2006/main" type="vertTx" preserve="1">
+<p:sldLayout xmlns:a="http://schemas.openxmlformats.org/drawingml/2006/main" xmlns:r="http://schemas.openxmlformats.org/officeDocument/2006/relationships" xmlns:p="http://schemas.openxmlformats.org/presentationml/2006/main" showMasterSp="0" type="vertTx" preserve="1">
   <p:cSld name="Title and Vertical Text">
     <p:spTree>
       <p:nvGrpSpPr>
@@ -3213,7 +3220,7 @@
 </file>
 
 <file path=ppt/slideLayouts/slideLayout17.xml><?xml version="1.0" encoding="utf-8"?>
-<p:sldLayout xmlns:a="http://schemas.openxmlformats.org/drawingml/2006/main" xmlns:r="http://schemas.openxmlformats.org/officeDocument/2006/relationships" xmlns:p="http://schemas.openxmlformats.org/presentationml/2006/main" type="vertTitleAndTx" preserve="1">
+<p:sldLayout xmlns:a="http://schemas.openxmlformats.org/drawingml/2006/main" xmlns:r="http://schemas.openxmlformats.org/officeDocument/2006/relationships" xmlns:p="http://schemas.openxmlformats.org/presentationml/2006/main" showMasterSp="0" type="vertTitleAndTx" preserve="1">
   <p:cSld name="Vertical Title and Text">
     <p:spTree>
       <p:nvGrpSpPr>
@@ -3422,7 +3429,7 @@
 </file>
 
 <file path=ppt/slideLayouts/slideLayout2.xml><?xml version="1.0" encoding="utf-8"?>
-<p:sldLayout xmlns:a="http://schemas.openxmlformats.org/drawingml/2006/main" xmlns:r="http://schemas.openxmlformats.org/officeDocument/2006/relationships" xmlns:p="http://schemas.openxmlformats.org/presentationml/2006/main" type="obj" preserve="1">
+<p:sldLayout xmlns:a="http://schemas.openxmlformats.org/drawingml/2006/main" xmlns:r="http://schemas.openxmlformats.org/officeDocument/2006/relationships" xmlns:p="http://schemas.openxmlformats.org/presentationml/2006/main" showMasterSp="0" type="obj" preserve="1">
   <p:cSld name="Title and Content">
     <p:spTree>
       <p:nvGrpSpPr>
@@ -3622,7 +3629,7 @@
 </file>
 
 <file path=ppt/slideLayouts/slideLayout3.xml><?xml version="1.0" encoding="utf-8"?>
-<p:sldLayout xmlns:a="http://schemas.openxmlformats.org/drawingml/2006/main" xmlns:r="http://schemas.openxmlformats.org/officeDocument/2006/relationships" xmlns:p="http://schemas.openxmlformats.org/presentationml/2006/main" type="secHead" preserve="1">
+<p:sldLayout xmlns:a="http://schemas.openxmlformats.org/drawingml/2006/main" xmlns:r="http://schemas.openxmlformats.org/officeDocument/2006/relationships" xmlns:p="http://schemas.openxmlformats.org/presentationml/2006/main" showMasterSp="0" type="secHead" preserve="1">
   <p:cSld name="Section Header">
     <p:spTree>
       <p:nvGrpSpPr>
@@ -3897,7 +3904,7 @@
 </file>
 
 <file path=ppt/slideLayouts/slideLayout4.xml><?xml version="1.0" encoding="utf-8"?>
-<p:sldLayout xmlns:a="http://schemas.openxmlformats.org/drawingml/2006/main" xmlns:r="http://schemas.openxmlformats.org/officeDocument/2006/relationships" xmlns:p="http://schemas.openxmlformats.org/presentationml/2006/main" type="twoObj" preserve="1">
+<p:sldLayout xmlns:a="http://schemas.openxmlformats.org/drawingml/2006/main" xmlns:r="http://schemas.openxmlformats.org/officeDocument/2006/relationships" xmlns:p="http://schemas.openxmlformats.org/presentationml/2006/main" showMasterSp="0" type="twoObj" preserve="1">
   <p:cSld name="Two Content">
     <p:spTree>
       <p:nvGrpSpPr>
@@ -4159,7 +4166,7 @@
 </file>
 
 <file path=ppt/slideLayouts/slideLayout5.xml><?xml version="1.0" encoding="utf-8"?>
-<p:sldLayout xmlns:a="http://schemas.openxmlformats.org/drawingml/2006/main" xmlns:r="http://schemas.openxmlformats.org/officeDocument/2006/relationships" xmlns:p="http://schemas.openxmlformats.org/presentationml/2006/main" type="twoTxTwoObj" preserve="1">
+<p:sldLayout xmlns:a="http://schemas.openxmlformats.org/drawingml/2006/main" xmlns:r="http://schemas.openxmlformats.org/officeDocument/2006/relationships" xmlns:p="http://schemas.openxmlformats.org/presentationml/2006/main" showMasterSp="0" type="twoTxTwoObj" preserve="1">
   <p:cSld name="Comparison">
     <p:spTree>
       <p:nvGrpSpPr>
@@ -4569,7 +4576,7 @@
 </file>
 
 <file path=ppt/slideLayouts/slideLayout6.xml><?xml version="1.0" encoding="utf-8"?>
-<p:sldLayout xmlns:a="http://schemas.openxmlformats.org/drawingml/2006/main" xmlns:r="http://schemas.openxmlformats.org/officeDocument/2006/relationships" xmlns:p="http://schemas.openxmlformats.org/presentationml/2006/main" type="titleOnly" preserve="1">
+<p:sldLayout xmlns:a="http://schemas.openxmlformats.org/drawingml/2006/main" xmlns:r="http://schemas.openxmlformats.org/officeDocument/2006/relationships" xmlns:p="http://schemas.openxmlformats.org/presentationml/2006/main" showMasterSp="0" type="titleOnly" preserve="1">
   <p:cSld name="Title Only">
     <p:spTree>
       <p:nvGrpSpPr>
@@ -4712,7 +4719,7 @@
 </file>
 
 <file path=ppt/slideLayouts/slideLayout7.xml><?xml version="1.0" encoding="utf-8"?>
-<p:sldLayout xmlns:a="http://schemas.openxmlformats.org/drawingml/2006/main" xmlns:r="http://schemas.openxmlformats.org/officeDocument/2006/relationships" xmlns:p="http://schemas.openxmlformats.org/presentationml/2006/main" type="blank" preserve="1">
+<p:sldLayout xmlns:a="http://schemas.openxmlformats.org/drawingml/2006/main" xmlns:r="http://schemas.openxmlformats.org/officeDocument/2006/relationships" xmlns:p="http://schemas.openxmlformats.org/presentationml/2006/main" showMasterSp="0" type="blank" preserve="1">
   <p:cSld name="Blank">
     <p:spTree>
       <p:nvGrpSpPr>
@@ -4832,7 +4839,7 @@
 </file>
 
 <file path=ppt/slideLayouts/slideLayout8.xml><?xml version="1.0" encoding="utf-8"?>
-<p:sldLayout xmlns:a="http://schemas.openxmlformats.org/drawingml/2006/main" xmlns:r="http://schemas.openxmlformats.org/officeDocument/2006/relationships" xmlns:p="http://schemas.openxmlformats.org/presentationml/2006/main" type="objTx" preserve="1">
+<p:sldLayout xmlns:a="http://schemas.openxmlformats.org/drawingml/2006/main" xmlns:r="http://schemas.openxmlformats.org/officeDocument/2006/relationships" xmlns:p="http://schemas.openxmlformats.org/presentationml/2006/main" showMasterSp="0" type="objTx" preserve="1">
   <p:cSld name="Content with Caption">
     <p:spTree>
       <p:nvGrpSpPr>
@@ -5106,7 +5113,7 @@
 </file>
 
 <file path=ppt/slideLayouts/slideLayout9.xml><?xml version="1.0" encoding="utf-8"?>
-<p:sldLayout xmlns:a="http://schemas.openxmlformats.org/drawingml/2006/main" xmlns:r="http://schemas.openxmlformats.org/officeDocument/2006/relationships" xmlns:p="http://schemas.openxmlformats.org/presentationml/2006/main" type="picTx" preserve="1">
+<p:sldLayout xmlns:a="http://schemas.openxmlformats.org/drawingml/2006/main" xmlns:r="http://schemas.openxmlformats.org/officeDocument/2006/relationships" xmlns:p="http://schemas.openxmlformats.org/presentationml/2006/main" showMasterSp="0" type="picTx" preserve="1">
   <p:cSld name="Picture with Caption">
     <p:spTree>
       <p:nvGrpSpPr>
@@ -5416,9 +5423,12 @@
 <p:sldMaster xmlns:a="http://schemas.openxmlformats.org/drawingml/2006/main" xmlns:r="http://schemas.openxmlformats.org/officeDocument/2006/relationships" xmlns:p="http://schemas.openxmlformats.org/presentationml/2006/main">
   <p:cSld>
     <p:bg>
-      <p:bgRef idx="1002">
-        <a:schemeClr val="bg1"/>
-      </p:bgRef>
+      <p:bgPr>
+        <a:solidFill>
+          <a:srgbClr val="002060"/>
+        </a:solidFill>
+        <a:effectLst/>
+      </p:bgPr>
     </p:bg>
     <p:spTree>
       <p:nvGrpSpPr>
@@ -6029,7 +6039,7 @@
 </file>
 
 <file path=ppt/slides/slide1.xml><?xml version="1.0" encoding="utf-8"?>
-<p:sld xmlns:a="http://schemas.openxmlformats.org/drawingml/2006/main" xmlns:r="http://schemas.openxmlformats.org/officeDocument/2006/relationships" xmlns:p="http://schemas.openxmlformats.org/presentationml/2006/main">
+<p:sld xmlns:a="http://schemas.openxmlformats.org/drawingml/2006/main" xmlns:r="http://schemas.openxmlformats.org/officeDocument/2006/relationships" xmlns:p="http://schemas.openxmlformats.org/presentationml/2006/main" showMasterSp="0">
   <p:cSld>
     <p:spTree>
       <p:nvGrpSpPr>
@@ -6063,8 +6073,8 @@
         </p:nvSpPr>
         <p:spPr>
           <a:xfrm>
-            <a:off x="1751012" y="1300785"/>
-            <a:ext cx="8689976" cy="3181568"/>
+            <a:off x="1751012" y="1468965"/>
+            <a:ext cx="8689976" cy="3970115"/>
           </a:xfrm>
         </p:spPr>
         <p:txBody>
@@ -6075,7 +6085,10 @@
           <a:p>
             <a:pPr algn="l"/>
             <a:r>
-              <a:rPr lang="ru-RU" sz="1200" dirty="0">
+              <a:rPr lang="ru-RU" sz="1400" dirty="0">
+                <a:solidFill>
+                  <a:schemeClr val="bg1"/>
+                </a:solidFill>
                 <a:latin typeface="Roboto" panose="02000000000000000000" pitchFamily="2" charset="0"/>
                 <a:ea typeface="Roboto" panose="02000000000000000000" pitchFamily="2" charset="0"/>
                 <a:cs typeface="Roboto" panose="02000000000000000000" pitchFamily="2" charset="0"/>
@@ -6083,7 +6096,10 @@
               <a:t>К вам пришел клиент и хочет </a:t>
             </a:r>
             <a:r>
-              <a:rPr lang="ru-RU" sz="1200" dirty="0" err="1">
+              <a:rPr lang="ru-RU" sz="1400" dirty="0" err="1">
+                <a:solidFill>
+                  <a:schemeClr val="bg1"/>
+                </a:solidFill>
                 <a:latin typeface="Roboto" panose="02000000000000000000" pitchFamily="2" charset="0"/>
                 <a:ea typeface="Roboto" panose="02000000000000000000" pitchFamily="2" charset="0"/>
                 <a:cs typeface="Roboto" panose="02000000000000000000" pitchFamily="2" charset="0"/>
@@ -6091,7 +6107,10 @@
               <a:t>забрифовать</a:t>
             </a:r>
             <a:r>
-              <a:rPr lang="ru-RU" sz="1200" dirty="0">
+              <a:rPr lang="ru-RU" sz="1400" dirty="0">
+                <a:solidFill>
+                  <a:schemeClr val="bg1"/>
+                </a:solidFill>
                 <a:latin typeface="Roboto" panose="02000000000000000000" pitchFamily="2" charset="0"/>
                 <a:ea typeface="Roboto" panose="02000000000000000000" pitchFamily="2" charset="0"/>
                 <a:cs typeface="Roboto" panose="02000000000000000000" pitchFamily="2" charset="0"/>
@@ -6099,21 +6118,30 @@
               <a:t> вас на разработку проекта. Чтобы вы поняли суть задачи, он присылает бриф со всеми необходимыми данными.</a:t>
             </a:r>
             <a:br>
-              <a:rPr lang="en-US" sz="1200" dirty="0">
+              <a:rPr lang="en-US" sz="1400" dirty="0">
+                <a:solidFill>
+                  <a:schemeClr val="bg1"/>
+                </a:solidFill>
                 <a:latin typeface="Roboto" panose="02000000000000000000" pitchFamily="2" charset="0"/>
                 <a:ea typeface="Roboto" panose="02000000000000000000" pitchFamily="2" charset="0"/>
                 <a:cs typeface="Roboto" panose="02000000000000000000" pitchFamily="2" charset="0"/>
               </a:rPr>
             </a:br>
             <a:br>
-              <a:rPr lang="ru-RU" sz="1200" dirty="0">
+              <a:rPr lang="ru-RU" sz="1400" dirty="0">
+                <a:solidFill>
+                  <a:schemeClr val="bg1"/>
+                </a:solidFill>
                 <a:latin typeface="Roboto" panose="02000000000000000000" pitchFamily="2" charset="0"/>
                 <a:ea typeface="Roboto" panose="02000000000000000000" pitchFamily="2" charset="0"/>
                 <a:cs typeface="Roboto" panose="02000000000000000000" pitchFamily="2" charset="0"/>
               </a:rPr>
             </a:br>
             <a:r>
-              <a:rPr lang="ru-RU" sz="1200" dirty="0">
+              <a:rPr lang="ru-RU" sz="1400" dirty="0">
+                <a:solidFill>
+                  <a:schemeClr val="bg1"/>
+                </a:solidFill>
                 <a:latin typeface="Roboto" panose="02000000000000000000" pitchFamily="2" charset="0"/>
                 <a:ea typeface="Roboto" panose="02000000000000000000" pitchFamily="2" charset="0"/>
                 <a:cs typeface="Roboto" panose="02000000000000000000" pitchFamily="2" charset="0"/>
@@ -6121,14 +6149,20 @@
               <a:t>Первый шаг работы – анализ бренда заказчика.</a:t>
             </a:r>
             <a:br>
-              <a:rPr lang="ru-RU" sz="1200" dirty="0">
+              <a:rPr lang="ru-RU" sz="1400" dirty="0">
+                <a:solidFill>
+                  <a:schemeClr val="bg1"/>
+                </a:solidFill>
                 <a:latin typeface="Roboto" panose="02000000000000000000" pitchFamily="2" charset="0"/>
                 <a:ea typeface="Roboto" panose="02000000000000000000" pitchFamily="2" charset="0"/>
                 <a:cs typeface="Roboto" panose="02000000000000000000" pitchFamily="2" charset="0"/>
               </a:rPr>
             </a:br>
             <a:r>
-              <a:rPr lang="ru-RU" sz="1200" dirty="0">
+              <a:rPr lang="ru-RU" sz="1400" dirty="0">
+                <a:solidFill>
+                  <a:schemeClr val="bg1"/>
+                </a:solidFill>
                 <a:latin typeface="Roboto" panose="02000000000000000000" pitchFamily="2" charset="0"/>
                 <a:ea typeface="Roboto" panose="02000000000000000000" pitchFamily="2" charset="0"/>
                 <a:cs typeface="Roboto" panose="02000000000000000000" pitchFamily="2" charset="0"/>
@@ -6136,7 +6170,10 @@
               <a:t>Самостоятельно решите, для какой компании вы будете делать данный проект. Это может быть компания, в которой вы работаете сейчас или в которой мечтали бы работать (</a:t>
             </a:r>
             <a:r>
-              <a:rPr lang="en-US" sz="1200" dirty="0">
+              <a:rPr lang="en-US" sz="1400" dirty="0">
+                <a:solidFill>
+                  <a:schemeClr val="bg1"/>
+                </a:solidFill>
                 <a:latin typeface="Roboto" panose="02000000000000000000" pitchFamily="2" charset="0"/>
                 <a:ea typeface="Roboto" panose="02000000000000000000" pitchFamily="2" charset="0"/>
                 <a:cs typeface="Roboto" panose="02000000000000000000" pitchFamily="2" charset="0"/>
@@ -6144,7 +6181,10 @@
               <a:t>Google, Facebook, «</a:t>
             </a:r>
             <a:r>
-              <a:rPr lang="ru-RU" sz="1200" dirty="0">
+              <a:rPr lang="ru-RU" sz="1400" dirty="0">
+                <a:solidFill>
+                  <a:schemeClr val="bg1"/>
+                </a:solidFill>
                 <a:latin typeface="Roboto" panose="02000000000000000000" pitchFamily="2" charset="0"/>
                 <a:ea typeface="Roboto" panose="02000000000000000000" pitchFamily="2" charset="0"/>
                 <a:cs typeface="Roboto" panose="02000000000000000000" pitchFamily="2" charset="0"/>
@@ -6152,7 +6192,10 @@
               <a:t>Тинькофф», </a:t>
             </a:r>
             <a:r>
-              <a:rPr lang="en-US" sz="1200" dirty="0" err="1">
+              <a:rPr lang="en-US" sz="1400" dirty="0" err="1">
+                <a:solidFill>
+                  <a:schemeClr val="bg1"/>
+                </a:solidFill>
                 <a:latin typeface="Roboto" panose="02000000000000000000" pitchFamily="2" charset="0"/>
                 <a:ea typeface="Roboto" panose="02000000000000000000" pitchFamily="2" charset="0"/>
                 <a:cs typeface="Roboto" panose="02000000000000000000" pitchFamily="2" charset="0"/>
@@ -6160,7 +6203,10 @@
               <a:t>Mail.ru</a:t>
             </a:r>
             <a:r>
-              <a:rPr lang="en-US" sz="1200" dirty="0">
+              <a:rPr lang="en-US" sz="1400" dirty="0">
+                <a:solidFill>
+                  <a:schemeClr val="bg1"/>
+                </a:solidFill>
                 <a:latin typeface="Roboto" panose="02000000000000000000" pitchFamily="2" charset="0"/>
                 <a:ea typeface="Roboto" panose="02000000000000000000" pitchFamily="2" charset="0"/>
                 <a:cs typeface="Roboto" panose="02000000000000000000" pitchFamily="2" charset="0"/>
@@ -6168,14 +6214,20 @@
               <a:t>).</a:t>
             </a:r>
             <a:br>
-              <a:rPr lang="en-US" sz="1200" dirty="0">
+              <a:rPr lang="en-US" sz="1400" dirty="0">
+                <a:solidFill>
+                  <a:schemeClr val="bg1"/>
+                </a:solidFill>
                 <a:latin typeface="Roboto" panose="02000000000000000000" pitchFamily="2" charset="0"/>
                 <a:ea typeface="Roboto" panose="02000000000000000000" pitchFamily="2" charset="0"/>
                 <a:cs typeface="Roboto" panose="02000000000000000000" pitchFamily="2" charset="0"/>
               </a:rPr>
             </a:br>
             <a:r>
-              <a:rPr lang="ru-RU" sz="1200" dirty="0">
+              <a:rPr lang="ru-RU" sz="1400" dirty="0">
+                <a:solidFill>
+                  <a:schemeClr val="bg1"/>
+                </a:solidFill>
                 <a:latin typeface="Roboto" panose="02000000000000000000" pitchFamily="2" charset="0"/>
                 <a:ea typeface="Roboto" panose="02000000000000000000" pitchFamily="2" charset="0"/>
                 <a:cs typeface="Roboto" panose="02000000000000000000" pitchFamily="2" charset="0"/>
@@ -6183,21 +6235,30 @@
               <a:t>Ваше задание: </a:t>
             </a:r>
             <a:br>
-              <a:rPr lang="en-US" sz="1200" dirty="0">
+              <a:rPr lang="en-US" sz="1400" dirty="0">
+                <a:solidFill>
+                  <a:schemeClr val="bg1"/>
+                </a:solidFill>
                 <a:latin typeface="Roboto" panose="02000000000000000000" pitchFamily="2" charset="0"/>
                 <a:ea typeface="Roboto" panose="02000000000000000000" pitchFamily="2" charset="0"/>
                 <a:cs typeface="Roboto" panose="02000000000000000000" pitchFamily="2" charset="0"/>
               </a:rPr>
             </a:br>
             <a:br>
-              <a:rPr lang="ru-RU" sz="1200" dirty="0">
+              <a:rPr lang="ru-RU" sz="1400" dirty="0">
+                <a:solidFill>
+                  <a:schemeClr val="bg1"/>
+                </a:solidFill>
                 <a:latin typeface="Roboto" panose="02000000000000000000" pitchFamily="2" charset="0"/>
                 <a:ea typeface="Roboto" panose="02000000000000000000" pitchFamily="2" charset="0"/>
                 <a:cs typeface="Roboto" panose="02000000000000000000" pitchFamily="2" charset="0"/>
               </a:rPr>
             </a:br>
             <a:r>
-              <a:rPr lang="ru-RU" sz="1200" dirty="0">
+              <a:rPr lang="ru-RU" sz="1400" dirty="0">
+                <a:solidFill>
+                  <a:schemeClr val="bg1"/>
+                </a:solidFill>
                 <a:latin typeface="Roboto" panose="02000000000000000000" pitchFamily="2" charset="0"/>
                 <a:ea typeface="Roboto" panose="02000000000000000000" pitchFamily="2" charset="0"/>
                 <a:cs typeface="Roboto" panose="02000000000000000000" pitchFamily="2" charset="0"/>
@@ -6205,7 +6266,10 @@
               <a:t>1. Проанализируйте текущую ситуацию заказчика. на 1-2 слайдах опишите краткую предысторию заказчика, сформулируйте задачу (сделать </a:t>
             </a:r>
             <a:r>
-              <a:rPr lang="ru-RU" sz="1200" dirty="0" err="1">
+              <a:rPr lang="ru-RU" sz="1400" dirty="0" err="1">
+                <a:solidFill>
+                  <a:schemeClr val="bg1"/>
+                </a:solidFill>
                 <a:latin typeface="Roboto" panose="02000000000000000000" pitchFamily="2" charset="0"/>
                 <a:ea typeface="Roboto" panose="02000000000000000000" pitchFamily="2" charset="0"/>
                 <a:cs typeface="Roboto" panose="02000000000000000000" pitchFamily="2" charset="0"/>
@@ -6213,7 +6277,10 @@
               <a:t>редизайн</a:t>
             </a:r>
             <a:r>
-              <a:rPr lang="ru-RU" sz="1200" dirty="0">
+              <a:rPr lang="ru-RU" sz="1400" dirty="0">
+                <a:solidFill>
+                  <a:schemeClr val="bg1"/>
+                </a:solidFill>
                 <a:latin typeface="Roboto" panose="02000000000000000000" pitchFamily="2" charset="0"/>
                 <a:ea typeface="Roboto" panose="02000000000000000000" pitchFamily="2" charset="0"/>
                 <a:cs typeface="Roboto" panose="02000000000000000000" pitchFamily="2" charset="0"/>
@@ -6221,7 +6288,10 @@
               <a:t> сайта, приложения, создать дизайн для бренда, создать приложение и. </a:t>
             </a:r>
             <a:r>
-              <a:rPr lang="ru-RU" sz="1200" dirty="0" err="1">
+              <a:rPr lang="ru-RU" sz="1400" dirty="0" err="1">
+                <a:solidFill>
+                  <a:schemeClr val="bg1"/>
+                </a:solidFill>
                 <a:latin typeface="Roboto" panose="02000000000000000000" pitchFamily="2" charset="0"/>
                 <a:ea typeface="Roboto" panose="02000000000000000000" pitchFamily="2" charset="0"/>
                 <a:cs typeface="Roboto" panose="02000000000000000000" pitchFamily="2" charset="0"/>
@@ -6229,7 +6299,10 @@
               <a:t>Тд</a:t>
             </a:r>
             <a:r>
-              <a:rPr lang="ru-RU" sz="1200" dirty="0">
+              <a:rPr lang="ru-RU" sz="1400" dirty="0">
+                <a:solidFill>
+                  <a:schemeClr val="bg1"/>
+                </a:solidFill>
                 <a:latin typeface="Roboto" panose="02000000000000000000" pitchFamily="2" charset="0"/>
                 <a:ea typeface="Roboto" panose="02000000000000000000" pitchFamily="2" charset="0"/>
                 <a:cs typeface="Roboto" panose="02000000000000000000" pitchFamily="2" charset="0"/>
@@ -6237,21 +6310,30 @@
               <a:t>.), которая перед вами стоит.</a:t>
             </a:r>
             <a:br>
-              <a:rPr lang="en-US" sz="1200" dirty="0">
+              <a:rPr lang="en-US" sz="1400" dirty="0">
+                <a:solidFill>
+                  <a:schemeClr val="bg1"/>
+                </a:solidFill>
                 <a:latin typeface="Roboto" panose="02000000000000000000" pitchFamily="2" charset="0"/>
                 <a:ea typeface="Roboto" panose="02000000000000000000" pitchFamily="2" charset="0"/>
                 <a:cs typeface="Roboto" panose="02000000000000000000" pitchFamily="2" charset="0"/>
               </a:rPr>
             </a:br>
             <a:br>
-              <a:rPr lang="ru-RU" sz="1200" dirty="0">
+              <a:rPr lang="ru-RU" sz="1400" dirty="0">
+                <a:solidFill>
+                  <a:schemeClr val="bg1"/>
+                </a:solidFill>
                 <a:latin typeface="Roboto" panose="02000000000000000000" pitchFamily="2" charset="0"/>
                 <a:ea typeface="Roboto" panose="02000000000000000000" pitchFamily="2" charset="0"/>
                 <a:cs typeface="Roboto" panose="02000000000000000000" pitchFamily="2" charset="0"/>
               </a:rPr>
             </a:br>
             <a:r>
-              <a:rPr lang="ru-RU" sz="1200" dirty="0">
+              <a:rPr lang="ru-RU" sz="1400" dirty="0">
+                <a:solidFill>
+                  <a:schemeClr val="bg1"/>
+                </a:solidFill>
                 <a:latin typeface="Roboto" panose="02000000000000000000" pitchFamily="2" charset="0"/>
                 <a:ea typeface="Roboto" panose="02000000000000000000" pitchFamily="2" charset="0"/>
                 <a:cs typeface="Roboto" panose="02000000000000000000" pitchFamily="2" charset="0"/>
@@ -6259,14 +6341,20 @@
               <a:t>2. Проанализируйте бренд заказчика и заполните пирамиду бренда, выявите сильные стороны в позиционировании, на которые нужно сделать акцент. Объясните, как коммуникация бренда выражается в его визуальных элементах.</a:t>
             </a:r>
             <a:br>
-              <a:rPr lang="ru-RU" sz="1200" dirty="0">
+              <a:rPr lang="ru-RU" sz="1400" dirty="0">
+                <a:solidFill>
+                  <a:schemeClr val="bg1"/>
+                </a:solidFill>
                 <a:latin typeface="Roboto" panose="02000000000000000000" pitchFamily="2" charset="0"/>
                 <a:ea typeface="Roboto" panose="02000000000000000000" pitchFamily="2" charset="0"/>
                 <a:cs typeface="Roboto" panose="02000000000000000000" pitchFamily="2" charset="0"/>
               </a:rPr>
             </a:br>
             <a:r>
-              <a:rPr lang="ru-RU" sz="1200" dirty="0">
+              <a:rPr lang="ru-RU" sz="1400" dirty="0">
+                <a:solidFill>
+                  <a:schemeClr val="bg1"/>
+                </a:solidFill>
                 <a:latin typeface="Roboto" panose="02000000000000000000" pitchFamily="2" charset="0"/>
                 <a:ea typeface="Roboto" panose="02000000000000000000" pitchFamily="2" charset="0"/>
                 <a:cs typeface="Roboto" panose="02000000000000000000" pitchFamily="2" charset="0"/>
@@ -6274,14 +6362,20 @@
               <a:t>Зафиксируйте свои наработки в презентации и пришлите ее на платформу(формат </a:t>
             </a:r>
             <a:r>
-              <a:rPr lang="en-US" sz="1200" dirty="0">
+              <a:rPr lang="en-US" sz="1400" dirty="0">
+                <a:solidFill>
+                  <a:schemeClr val="bg1"/>
+                </a:solidFill>
                 <a:latin typeface="Roboto" panose="02000000000000000000" pitchFamily="2" charset="0"/>
                 <a:ea typeface="Roboto" panose="02000000000000000000" pitchFamily="2" charset="0"/>
                 <a:cs typeface="Roboto" panose="02000000000000000000" pitchFamily="2" charset="0"/>
               </a:rPr>
               <a:t>PDF)</a:t>
             </a:r>
-            <a:endParaRPr lang="ru-RU" sz="1200" dirty="0">
+            <a:endParaRPr lang="ru-RU" sz="1400" dirty="0">
+              <a:solidFill>
+                <a:schemeClr val="bg1"/>
+              </a:solidFill>
               <a:latin typeface="Roboto" panose="02000000000000000000" pitchFamily="2" charset="0"/>
               <a:ea typeface="Roboto" panose="02000000000000000000" pitchFamily="2" charset="0"/>
               <a:cs typeface="Roboto" panose="02000000000000000000" pitchFamily="2" charset="0"/>
@@ -6307,7 +6401,7 @@
         </p:nvSpPr>
         <p:spPr>
           <a:xfrm>
-            <a:off x="1751012" y="4814047"/>
+            <a:off x="1751012" y="916253"/>
             <a:ext cx="8689976" cy="443752"/>
           </a:xfrm>
         </p:spPr>
@@ -6319,18 +6413,34 @@
           <a:p>
             <a:pPr algn="l"/>
             <a:r>
-              <a:rPr lang="en-US" dirty="0"/>
-              <a:t>HW1 </a:t>
-            </a:r>
-            <a:r>
-              <a:rPr lang="en-US" dirty="0" err="1"/>
+              <a:rPr lang="en-US" b="1" dirty="0">
+                <a:latin typeface="Roboto" panose="02000000000000000000" pitchFamily="2" charset="0"/>
+                <a:ea typeface="Roboto" panose="02000000000000000000" pitchFamily="2" charset="0"/>
+                <a:cs typeface="Roboto" panose="02000000000000000000" pitchFamily="2" charset="0"/>
+              </a:rPr>
+              <a:t>HW1 TASK / </a:t>
+            </a:r>
+            <a:r>
+              <a:rPr lang="en-US" b="1" dirty="0" err="1">
+                <a:latin typeface="Roboto" panose="02000000000000000000" pitchFamily="2" charset="0"/>
+                <a:ea typeface="Roboto" panose="02000000000000000000" pitchFamily="2" charset="0"/>
+                <a:cs typeface="Roboto" panose="02000000000000000000" pitchFamily="2" charset="0"/>
+              </a:rPr>
               <a:t>Melchuk</a:t>
             </a:r>
             <a:r>
-              <a:rPr lang="en-US" dirty="0"/>
+              <a:rPr lang="en-US" b="1" dirty="0">
+                <a:latin typeface="Roboto" panose="02000000000000000000" pitchFamily="2" charset="0"/>
+                <a:ea typeface="Roboto" panose="02000000000000000000" pitchFamily="2" charset="0"/>
+                <a:cs typeface="Roboto" panose="02000000000000000000" pitchFamily="2" charset="0"/>
+              </a:rPr>
               <a:t> A.B.</a:t>
             </a:r>
-            <a:endParaRPr lang="ru-RU" dirty="0"/>
+            <a:endParaRPr lang="ru-RU" b="1" dirty="0">
+              <a:latin typeface="Roboto" panose="02000000000000000000" pitchFamily="2" charset="0"/>
+              <a:ea typeface="Roboto" panose="02000000000000000000" pitchFamily="2" charset="0"/>
+              <a:cs typeface="Roboto" panose="02000000000000000000" pitchFamily="2" charset="0"/>
+            </a:endParaRPr>
           </a:p>
         </p:txBody>
       </p:sp>
@@ -6348,7 +6458,7 @@
 </file>
 
 <file path=ppt/slides/slide2.xml><?xml version="1.0" encoding="utf-8"?>
-<p:sld xmlns:a="http://schemas.openxmlformats.org/drawingml/2006/main" xmlns:r="http://schemas.openxmlformats.org/officeDocument/2006/relationships" xmlns:p="http://schemas.openxmlformats.org/presentationml/2006/main">
+<p:sld xmlns:a="http://schemas.openxmlformats.org/drawingml/2006/main" xmlns:r="http://schemas.openxmlformats.org/officeDocument/2006/relationships" xmlns:p="http://schemas.openxmlformats.org/presentationml/2006/main" showMasterSp="0">
   <p:cSld>
     <p:spTree>
       <p:nvGrpSpPr>
@@ -6380,104 +6490,956 @@
             <p:ph type="ctrTitle"/>
           </p:nvPr>
         </p:nvSpPr>
-        <p:spPr/>
+        <p:spPr>
+          <a:xfrm>
+            <a:off x="1751012" y="856527"/>
+            <a:ext cx="8689976" cy="4710896"/>
+          </a:xfrm>
+        </p:spPr>
         <p:txBody>
           <a:bodyPr>
             <a:noAutofit/>
           </a:bodyPr>
           <a:lstStyle/>
           <a:p>
-            <a:r>
-              <a:rPr lang="ru-RU" sz="1400" dirty="0"/>
-              <a:t>К вам пришел клиент и хочет </a:t>
-            </a:r>
-            <a:r>
-              <a:rPr lang="ru-RU" sz="1400" dirty="0" err="1"/>
-              <a:t>забрифовать</a:t>
-            </a:r>
-            <a:r>
-              <a:rPr lang="ru-RU" sz="1400" dirty="0"/>
-              <a:t> вас на разработку проекта. Чтобы вы поняли суть задачи, он присылает бриф со всеми необходимыми данными.</a:t>
-            </a:r>
+            <a:pPr algn="l"/>
             <a:br>
-              <a:rPr lang="ru-RU" sz="1400" dirty="0"/>
+              <a:rPr lang="ru-RU" sz="1400" dirty="0">
+                <a:solidFill>
+                  <a:schemeClr val="bg1"/>
+                </a:solidFill>
+                <a:latin typeface="Roboto" panose="02000000000000000000" pitchFamily="2" charset="0"/>
+                <a:ea typeface="Roboto" panose="02000000000000000000" pitchFamily="2" charset="0"/>
+                <a:cs typeface="Roboto" panose="02000000000000000000" pitchFamily="2" charset="0"/>
+              </a:rPr>
             </a:br>
             <a:r>
-              <a:rPr lang="ru-RU" sz="1400" dirty="0"/>
-              <a:t>Первый шаг работы – анализ бренда заказчика.</a:t>
+              <a:rPr lang="ru-RU" sz="1400" dirty="0">
+                <a:solidFill>
+                  <a:schemeClr val="bg1"/>
+                </a:solidFill>
+                <a:latin typeface="Roboto" panose="02000000000000000000" pitchFamily="2" charset="0"/>
+                <a:ea typeface="Roboto" panose="02000000000000000000" pitchFamily="2" charset="0"/>
+                <a:cs typeface="Roboto" panose="02000000000000000000" pitchFamily="2" charset="0"/>
+              </a:rPr>
+              <a:t>Как раз в компании</a:t>
+            </a:r>
+            <a:r>
+              <a:rPr lang="en-US" sz="1400" dirty="0">
+                <a:solidFill>
+                  <a:schemeClr val="bg1"/>
+                </a:solidFill>
+                <a:latin typeface="Roboto" panose="02000000000000000000" pitchFamily="2" charset="0"/>
+                <a:ea typeface="Roboto" panose="02000000000000000000" pitchFamily="2" charset="0"/>
+                <a:cs typeface="Roboto" panose="02000000000000000000" pitchFamily="2" charset="0"/>
+              </a:rPr>
+              <a:t>,</a:t>
+            </a:r>
+            <a:r>
+              <a:rPr lang="ru-RU" sz="1400" dirty="0">
+                <a:solidFill>
+                  <a:schemeClr val="bg1"/>
+                </a:solidFill>
+                <a:latin typeface="Roboto" panose="02000000000000000000" pitchFamily="2" charset="0"/>
+                <a:ea typeface="Roboto" panose="02000000000000000000" pitchFamily="2" charset="0"/>
+                <a:cs typeface="Roboto" panose="02000000000000000000" pitchFamily="2" charset="0"/>
+              </a:rPr>
+              <a:t> Где я работаю на меня скинули задачу по </a:t>
+            </a:r>
+            <a:r>
+              <a:rPr lang="ru-RU" sz="1400" dirty="0" err="1">
+                <a:solidFill>
+                  <a:schemeClr val="bg1"/>
+                </a:solidFill>
+                <a:latin typeface="Roboto" panose="02000000000000000000" pitchFamily="2" charset="0"/>
+                <a:ea typeface="Roboto" panose="02000000000000000000" pitchFamily="2" charset="0"/>
+                <a:cs typeface="Roboto" panose="02000000000000000000" pitchFamily="2" charset="0"/>
+              </a:rPr>
+              <a:t>редизайну</a:t>
+            </a:r>
+            <a:r>
+              <a:rPr lang="ru-RU" sz="1400" dirty="0">
+                <a:solidFill>
+                  <a:schemeClr val="bg1"/>
+                </a:solidFill>
+                <a:latin typeface="Roboto" panose="02000000000000000000" pitchFamily="2" charset="0"/>
+                <a:ea typeface="Roboto" panose="02000000000000000000" pitchFamily="2" charset="0"/>
+                <a:cs typeface="Roboto" panose="02000000000000000000" pitchFamily="2" charset="0"/>
+              </a:rPr>
+              <a:t> сайта</a:t>
             </a:r>
             <a:br>
-              <a:rPr lang="ru-RU" sz="1400" dirty="0"/>
+              <a:rPr lang="ru-RU" sz="1400" dirty="0">
+                <a:solidFill>
+                  <a:schemeClr val="bg1"/>
+                </a:solidFill>
+                <a:latin typeface="Roboto" panose="02000000000000000000" pitchFamily="2" charset="0"/>
+                <a:ea typeface="Roboto" panose="02000000000000000000" pitchFamily="2" charset="0"/>
+                <a:cs typeface="Roboto" panose="02000000000000000000" pitchFamily="2" charset="0"/>
+              </a:rPr>
             </a:br>
             <a:r>
-              <a:rPr lang="ru-RU" sz="1400" dirty="0"/>
-              <a:t>Самостоятельно решите, для какой компании вы будете делать данный проект. Это может быть компания, в которой вы работаете сейчас или в которой мечтали бы работать (</a:t>
-            </a:r>
-            <a:r>
-              <a:rPr lang="en-US" sz="1400" dirty="0"/>
-              <a:t>Google, Facebook, «</a:t>
-            </a:r>
-            <a:r>
-              <a:rPr lang="ru-RU" sz="1400" dirty="0"/>
-              <a:t>Тинькофф», </a:t>
-            </a:r>
-            <a:r>
-              <a:rPr lang="en-US" sz="1400" dirty="0" err="1"/>
-              <a:t>Mail.ru</a:t>
-            </a:r>
-            <a:r>
-              <a:rPr lang="en-US" sz="1400" dirty="0"/>
-              <a:t>).</a:t>
+              <a:rPr lang="ru-RU" sz="1400" dirty="0">
+                <a:solidFill>
+                  <a:schemeClr val="bg1"/>
+                </a:solidFill>
+                <a:latin typeface="Roboto" panose="02000000000000000000" pitchFamily="2" charset="0"/>
+                <a:ea typeface="Roboto" panose="02000000000000000000" pitchFamily="2" charset="0"/>
+                <a:cs typeface="Roboto" panose="02000000000000000000" pitchFamily="2" charset="0"/>
+              </a:rPr>
+              <a:t>Французская компания </a:t>
+            </a:r>
+            <a:r>
+              <a:rPr lang="en-US" sz="1400" dirty="0">
+                <a:solidFill>
+                  <a:schemeClr val="bg1"/>
+                </a:solidFill>
+                <a:latin typeface="Roboto" panose="02000000000000000000" pitchFamily="2" charset="0"/>
+                <a:ea typeface="Roboto" panose="02000000000000000000" pitchFamily="2" charset="0"/>
+                <a:cs typeface="Roboto" panose="02000000000000000000" pitchFamily="2" charset="0"/>
+              </a:rPr>
+              <a:t>(</a:t>
+            </a:r>
+            <a:r>
+              <a:rPr lang="en-US" sz="1400" dirty="0" err="1">
+                <a:solidFill>
+                  <a:schemeClr val="bg1"/>
+                </a:solidFill>
+                <a:latin typeface="Roboto" panose="02000000000000000000" pitchFamily="2" charset="0"/>
+                <a:ea typeface="Roboto" panose="02000000000000000000" pitchFamily="2" charset="0"/>
+                <a:cs typeface="Roboto" panose="02000000000000000000" pitchFamily="2" charset="0"/>
+              </a:rPr>
+              <a:t>otomis.fr</a:t>
+            </a:r>
+            <a:r>
+              <a:rPr lang="en-US" sz="1400" dirty="0">
+                <a:solidFill>
+                  <a:schemeClr val="bg1"/>
+                </a:solidFill>
+                <a:latin typeface="Roboto" panose="02000000000000000000" pitchFamily="2" charset="0"/>
+                <a:ea typeface="Roboto" panose="02000000000000000000" pitchFamily="2" charset="0"/>
+                <a:cs typeface="Roboto" panose="02000000000000000000" pitchFamily="2" charset="0"/>
+              </a:rPr>
+              <a:t>)</a:t>
+            </a:r>
+            <a:r>
+              <a:rPr lang="ru-RU" sz="1400" dirty="0">
+                <a:solidFill>
+                  <a:schemeClr val="bg1"/>
+                </a:solidFill>
+                <a:latin typeface="Roboto" panose="02000000000000000000" pitchFamily="2" charset="0"/>
+                <a:ea typeface="Roboto" panose="02000000000000000000" pitchFamily="2" charset="0"/>
+                <a:cs typeface="Roboto" panose="02000000000000000000" pitchFamily="2" charset="0"/>
+              </a:rPr>
+              <a:t> занимается умными домами и автоматизацией</a:t>
             </a:r>
             <a:br>
-              <a:rPr lang="en-US" sz="1400" dirty="0"/>
+              <a:rPr lang="ru-RU" sz="1400" dirty="0">
+                <a:solidFill>
+                  <a:schemeClr val="bg1"/>
+                </a:solidFill>
+                <a:latin typeface="Roboto" panose="02000000000000000000" pitchFamily="2" charset="0"/>
+                <a:ea typeface="Roboto" panose="02000000000000000000" pitchFamily="2" charset="0"/>
+                <a:cs typeface="Roboto" panose="02000000000000000000" pitchFamily="2" charset="0"/>
+              </a:rPr>
             </a:br>
-            <a:r>
-              <a:rPr lang="ru-RU" sz="1400" dirty="0"/>
-              <a:t>Ваше задание: </a:t>
-            </a:r>
             <a:br>
-              <a:rPr lang="ru-RU" sz="1400" dirty="0"/>
+              <a:rPr lang="ru-RU" sz="1400" dirty="0">
+                <a:solidFill>
+                  <a:schemeClr val="bg1"/>
+                </a:solidFill>
+                <a:latin typeface="Roboto" panose="02000000000000000000" pitchFamily="2" charset="0"/>
+                <a:ea typeface="Roboto" panose="02000000000000000000" pitchFamily="2" charset="0"/>
+                <a:cs typeface="Roboto" panose="02000000000000000000" pitchFamily="2" charset="0"/>
+              </a:rPr>
             </a:br>
             <a:r>
-              <a:rPr lang="ru-RU" sz="1400" dirty="0"/>
-              <a:t>1. Проанализируйте текущую ситуацию заказчика. на 1-2 слайдах опишите краткую предысторию заказчика, сформулируйте задачу (сделать </a:t>
-            </a:r>
-            <a:r>
-              <a:rPr lang="ru-RU" sz="1400" dirty="0" err="1"/>
+              <a:rPr lang="ru-RU" sz="1400" b="1" i="1" dirty="0">
+                <a:solidFill>
+                  <a:schemeClr val="bg1"/>
+                </a:solidFill>
+                <a:latin typeface="Roboto" panose="02000000000000000000" pitchFamily="2" charset="0"/>
+                <a:ea typeface="Roboto" panose="02000000000000000000" pitchFamily="2" charset="0"/>
+                <a:cs typeface="Roboto" panose="02000000000000000000" pitchFamily="2" charset="0"/>
+              </a:rPr>
+              <a:t>Итого на входе есть</a:t>
+            </a:r>
+            <a:r>
+              <a:rPr lang="en-US" sz="1400" b="1" i="1" dirty="0">
+                <a:solidFill>
+                  <a:schemeClr val="bg1"/>
+                </a:solidFill>
+                <a:latin typeface="Roboto" panose="02000000000000000000" pitchFamily="2" charset="0"/>
+                <a:ea typeface="Roboto" panose="02000000000000000000" pitchFamily="2" charset="0"/>
+                <a:cs typeface="Roboto" panose="02000000000000000000" pitchFamily="2" charset="0"/>
+              </a:rPr>
+              <a:t>:</a:t>
+            </a:r>
+            <a:br>
+              <a:rPr lang="ru-RU" sz="1400" dirty="0">
+                <a:solidFill>
+                  <a:schemeClr val="bg1"/>
+                </a:solidFill>
+                <a:latin typeface="Roboto" panose="02000000000000000000" pitchFamily="2" charset="0"/>
+                <a:ea typeface="Roboto" panose="02000000000000000000" pitchFamily="2" charset="0"/>
+                <a:cs typeface="Roboto" panose="02000000000000000000" pitchFamily="2" charset="0"/>
+              </a:rPr>
+            </a:br>
+            <a:r>
+              <a:rPr lang="ru-RU" sz="1400" dirty="0">
+                <a:solidFill>
+                  <a:schemeClr val="bg1"/>
+                </a:solidFill>
+                <a:latin typeface="Roboto" panose="02000000000000000000" pitchFamily="2" charset="0"/>
+                <a:ea typeface="Roboto" panose="02000000000000000000" pitchFamily="2" charset="0"/>
+                <a:cs typeface="Roboto" panose="02000000000000000000" pitchFamily="2" charset="0"/>
+              </a:rPr>
+              <a:t>- Заполнил бриф вместе с главным</a:t>
+            </a:r>
+            <a:br>
+              <a:rPr lang="ru-RU" sz="1400" dirty="0">
+                <a:solidFill>
+                  <a:schemeClr val="bg1"/>
+                </a:solidFill>
+                <a:latin typeface="Roboto" panose="02000000000000000000" pitchFamily="2" charset="0"/>
+                <a:ea typeface="Roboto" panose="02000000000000000000" pitchFamily="2" charset="0"/>
+                <a:cs typeface="Roboto" panose="02000000000000000000" pitchFamily="2" charset="0"/>
+              </a:rPr>
+            </a:br>
+            <a:r>
+              <a:rPr lang="en-US" sz="1400" dirty="0">
+                <a:solidFill>
+                  <a:schemeClr val="bg1"/>
+                </a:solidFill>
+                <a:latin typeface="Roboto" panose="02000000000000000000" pitchFamily="2" charset="0"/>
+                <a:ea typeface="Roboto" panose="02000000000000000000" pitchFamily="2" charset="0"/>
+                <a:cs typeface="Roboto" panose="02000000000000000000" pitchFamily="2" charset="0"/>
+              </a:rPr>
+              <a:t>- </a:t>
+            </a:r>
+            <a:r>
+              <a:rPr lang="ru-RU" sz="1400" dirty="0">
+                <a:solidFill>
+                  <a:schemeClr val="bg1"/>
+                </a:solidFill>
+                <a:latin typeface="Roboto" panose="02000000000000000000" pitchFamily="2" charset="0"/>
+                <a:ea typeface="Roboto" panose="02000000000000000000" pitchFamily="2" charset="0"/>
+                <a:cs typeface="Roboto" panose="02000000000000000000" pitchFamily="2" charset="0"/>
+              </a:rPr>
+              <a:t>старый сайт </a:t>
+            </a:r>
+            <a:r>
+              <a:rPr lang="en-US" sz="1400" dirty="0" err="1">
+                <a:solidFill>
+                  <a:schemeClr val="bg1"/>
+                </a:solidFill>
+                <a:latin typeface="Roboto" panose="02000000000000000000" pitchFamily="2" charset="0"/>
+                <a:ea typeface="Roboto" panose="02000000000000000000" pitchFamily="2" charset="0"/>
+                <a:cs typeface="Roboto" panose="02000000000000000000" pitchFamily="2" charset="0"/>
+              </a:rPr>
+              <a:t>otomis.fr</a:t>
+            </a:r>
+            <a:r>
+              <a:rPr lang="en-US" sz="1400" dirty="0">
+                <a:solidFill>
+                  <a:schemeClr val="bg1"/>
+                </a:solidFill>
+                <a:latin typeface="Roboto" panose="02000000000000000000" pitchFamily="2" charset="0"/>
+                <a:ea typeface="Roboto" panose="02000000000000000000" pitchFamily="2" charset="0"/>
+                <a:cs typeface="Roboto" panose="02000000000000000000" pitchFamily="2" charset="0"/>
+              </a:rPr>
+              <a:t> (</a:t>
+            </a:r>
+            <a:r>
+              <a:rPr lang="ru-RU" sz="1400" dirty="0">
+                <a:solidFill>
+                  <a:schemeClr val="bg1"/>
+                </a:solidFill>
+                <a:latin typeface="Roboto" panose="02000000000000000000" pitchFamily="2" charset="0"/>
+                <a:ea typeface="Roboto" panose="02000000000000000000" pitchFamily="2" charset="0"/>
+                <a:cs typeface="Roboto" panose="02000000000000000000" pitchFamily="2" charset="0"/>
+              </a:rPr>
+              <a:t>сайту уже лет 10</a:t>
+            </a:r>
+            <a:r>
+              <a:rPr lang="en-US" sz="1400" dirty="0">
+                <a:solidFill>
+                  <a:schemeClr val="bg1"/>
+                </a:solidFill>
+                <a:latin typeface="Roboto" panose="02000000000000000000" pitchFamily="2" charset="0"/>
+                <a:ea typeface="Roboto" panose="02000000000000000000" pitchFamily="2" charset="0"/>
+                <a:cs typeface="Roboto" panose="02000000000000000000" pitchFamily="2" charset="0"/>
+              </a:rPr>
+              <a:t>)</a:t>
+            </a:r>
+            <a:br>
+              <a:rPr lang="ru-RU" sz="1400" dirty="0">
+                <a:solidFill>
+                  <a:schemeClr val="bg1"/>
+                </a:solidFill>
+                <a:latin typeface="Roboto" panose="02000000000000000000" pitchFamily="2" charset="0"/>
+                <a:ea typeface="Roboto" panose="02000000000000000000" pitchFamily="2" charset="0"/>
+                <a:cs typeface="Roboto" panose="02000000000000000000" pitchFamily="2" charset="0"/>
+              </a:rPr>
+            </a:br>
+            <a:r>
+              <a:rPr lang="en-US" sz="1400" dirty="0">
+                <a:solidFill>
+                  <a:schemeClr val="bg1"/>
+                </a:solidFill>
+                <a:latin typeface="Roboto" panose="02000000000000000000" pitchFamily="2" charset="0"/>
+                <a:ea typeface="Roboto" panose="02000000000000000000" pitchFamily="2" charset="0"/>
+                <a:cs typeface="Roboto" panose="02000000000000000000" pitchFamily="2" charset="0"/>
+              </a:rPr>
+              <a:t>- </a:t>
+            </a:r>
+            <a:r>
+              <a:rPr lang="ru-RU" sz="1400" dirty="0">
+                <a:solidFill>
+                  <a:schemeClr val="bg1"/>
+                </a:solidFill>
+                <a:latin typeface="Roboto" panose="02000000000000000000" pitchFamily="2" charset="0"/>
+                <a:ea typeface="Roboto" panose="02000000000000000000" pitchFamily="2" charset="0"/>
+                <a:cs typeface="Roboto" panose="02000000000000000000" pitchFamily="2" charset="0"/>
+              </a:rPr>
+              <a:t>есть старый </a:t>
+            </a:r>
+            <a:r>
+              <a:rPr lang="ru-RU" sz="1400" dirty="0" err="1">
+                <a:solidFill>
+                  <a:schemeClr val="bg1"/>
+                </a:solidFill>
+                <a:latin typeface="Roboto" panose="02000000000000000000" pitchFamily="2" charset="0"/>
+                <a:ea typeface="Roboto" panose="02000000000000000000" pitchFamily="2" charset="0"/>
+                <a:cs typeface="Roboto" panose="02000000000000000000" pitchFamily="2" charset="0"/>
+              </a:rPr>
+              <a:t>брендбук</a:t>
+            </a:r>
+            <a:r>
+              <a:rPr lang="ru-RU" sz="1400" dirty="0">
+                <a:solidFill>
+                  <a:schemeClr val="bg1"/>
+                </a:solidFill>
+                <a:latin typeface="Roboto" panose="02000000000000000000" pitchFamily="2" charset="0"/>
+                <a:ea typeface="Roboto" panose="02000000000000000000" pitchFamily="2" charset="0"/>
+                <a:cs typeface="Roboto" panose="02000000000000000000" pitchFamily="2" charset="0"/>
+              </a:rPr>
+              <a:t> (в топку его)</a:t>
+            </a:r>
+            <a:br>
+              <a:rPr lang="en-US" sz="1400" dirty="0">
+                <a:solidFill>
+                  <a:schemeClr val="bg1"/>
+                </a:solidFill>
+                <a:latin typeface="Roboto" panose="02000000000000000000" pitchFamily="2" charset="0"/>
+                <a:ea typeface="Roboto" panose="02000000000000000000" pitchFamily="2" charset="0"/>
+                <a:cs typeface="Roboto" panose="02000000000000000000" pitchFamily="2" charset="0"/>
+              </a:rPr>
+            </a:br>
+            <a:r>
+              <a:rPr lang="en-US" sz="1400" dirty="0">
+                <a:solidFill>
+                  <a:schemeClr val="bg1"/>
+                </a:solidFill>
+                <a:latin typeface="Roboto" panose="02000000000000000000" pitchFamily="2" charset="0"/>
+                <a:ea typeface="Roboto" panose="02000000000000000000" pitchFamily="2" charset="0"/>
+                <a:cs typeface="Roboto" panose="02000000000000000000" pitchFamily="2" charset="0"/>
+              </a:rPr>
+              <a:t>- </a:t>
+            </a:r>
+            <a:r>
+              <a:rPr lang="ru-RU" sz="1400" dirty="0">
+                <a:solidFill>
+                  <a:schemeClr val="bg1"/>
+                </a:solidFill>
+                <a:latin typeface="Roboto" panose="02000000000000000000" pitchFamily="2" charset="0"/>
+                <a:ea typeface="Roboto" panose="02000000000000000000" pitchFamily="2" charset="0"/>
+                <a:cs typeface="Roboto" panose="02000000000000000000" pitchFamily="2" charset="0"/>
+              </a:rPr>
+              <a:t>нет бюджета на дизайнера)</a:t>
+            </a:r>
+            <a:br>
+              <a:rPr lang="ru-RU" sz="1400" dirty="0">
+                <a:solidFill>
+                  <a:schemeClr val="bg1"/>
+                </a:solidFill>
+                <a:latin typeface="Roboto" panose="02000000000000000000" pitchFamily="2" charset="0"/>
+                <a:ea typeface="Roboto" panose="02000000000000000000" pitchFamily="2" charset="0"/>
+                <a:cs typeface="Roboto" panose="02000000000000000000" pitchFamily="2" charset="0"/>
+              </a:rPr>
+            </a:br>
+            <a:r>
+              <a:rPr lang="ru-RU" sz="1400" dirty="0">
+                <a:solidFill>
+                  <a:schemeClr val="bg1"/>
+                </a:solidFill>
+                <a:latin typeface="Roboto" panose="02000000000000000000" pitchFamily="2" charset="0"/>
+                <a:ea typeface="Roboto" panose="02000000000000000000" pitchFamily="2" charset="0"/>
+                <a:cs typeface="Roboto" panose="02000000000000000000" pitchFamily="2" charset="0"/>
+              </a:rPr>
+              <a:t>- начальство вообще не знает сколько по времени занимает </a:t>
+            </a:r>
+            <a:r>
+              <a:rPr lang="ru-RU" sz="1400" dirty="0" err="1">
+                <a:solidFill>
+                  <a:schemeClr val="bg1"/>
+                </a:solidFill>
+                <a:latin typeface="Roboto" panose="02000000000000000000" pitchFamily="2" charset="0"/>
+                <a:ea typeface="Roboto" panose="02000000000000000000" pitchFamily="2" charset="0"/>
+                <a:cs typeface="Roboto" panose="02000000000000000000" pitchFamily="2" charset="0"/>
+              </a:rPr>
               <a:t>редизайн</a:t>
             </a:r>
-            <a:r>
-              <a:rPr lang="ru-RU" sz="1400" dirty="0"/>
-              <a:t> сайта, приложения, создать дизайн для бренда, создать приложение и. </a:t>
-            </a:r>
-            <a:r>
-              <a:rPr lang="ru-RU" sz="1400" dirty="0" err="1"/>
-              <a:t>Тд</a:t>
-            </a:r>
-            <a:r>
-              <a:rPr lang="ru-RU" sz="1400" dirty="0"/>
-              <a:t>.), которая перед вами стоит.</a:t>
-            </a:r>
             <a:br>
-              <a:rPr lang="ru-RU" sz="1400" dirty="0"/>
+              <a:rPr lang="ru-RU" sz="1400" dirty="0">
+                <a:solidFill>
+                  <a:schemeClr val="bg1"/>
+                </a:solidFill>
+                <a:latin typeface="Roboto" panose="02000000000000000000" pitchFamily="2" charset="0"/>
+                <a:ea typeface="Roboto" panose="02000000000000000000" pitchFamily="2" charset="0"/>
+                <a:cs typeface="Roboto" panose="02000000000000000000" pitchFamily="2" charset="0"/>
+              </a:rPr>
             </a:br>
             <a:r>
-              <a:rPr lang="ru-RU" sz="1400" dirty="0"/>
-              <a:t>2. Проанализируйте бренд заказчика и заполните пирамиду бренда, выявите сильные стороны в позиционировании, на которые нужно сделать акцент. Объясните, как коммуникация бренда выражается в его визуальных элементах.</a:t>
+              <a:rPr lang="ru-RU" sz="1400" dirty="0">
+                <a:solidFill>
+                  <a:schemeClr val="bg1"/>
+                </a:solidFill>
+                <a:latin typeface="Roboto" panose="02000000000000000000" pitchFamily="2" charset="0"/>
+                <a:ea typeface="Roboto" panose="02000000000000000000" pitchFamily="2" charset="0"/>
+                <a:cs typeface="Roboto" panose="02000000000000000000" pitchFamily="2" charset="0"/>
+              </a:rPr>
+              <a:t>- начальству нравится то что есть сейчас (одностраничный концепт)? При том что все клиенты негативно на него реагируют))</a:t>
             </a:r>
             <a:br>
-              <a:rPr lang="ru-RU" sz="1400" dirty="0"/>
+              <a:rPr lang="en-US" sz="1400" dirty="0">
+                <a:solidFill>
+                  <a:schemeClr val="bg1"/>
+                </a:solidFill>
+                <a:latin typeface="Roboto" panose="02000000000000000000" pitchFamily="2" charset="0"/>
+                <a:ea typeface="Roboto" panose="02000000000000000000" pitchFamily="2" charset="0"/>
+                <a:cs typeface="Roboto" panose="02000000000000000000" pitchFamily="2" charset="0"/>
+              </a:rPr>
             </a:br>
             <a:r>
-              <a:rPr lang="ru-RU" sz="1400" dirty="0"/>
-              <a:t>Зафиксируйте свои наработки в презентации и пришлите ее на платформу(формат </a:t>
-            </a:r>
-            <a:r>
-              <a:rPr lang="en-US" sz="1400" dirty="0"/>
-              <a:t>PDF)</a:t>
-            </a:r>
-            <a:endParaRPr lang="ru-RU" sz="1400" dirty="0"/>
+              <a:rPr lang="en-US" sz="1400" dirty="0">
+                <a:solidFill>
+                  <a:schemeClr val="bg1"/>
+                </a:solidFill>
+                <a:latin typeface="Roboto" panose="02000000000000000000" pitchFamily="2" charset="0"/>
+                <a:ea typeface="Roboto" panose="02000000000000000000" pitchFamily="2" charset="0"/>
+                <a:cs typeface="Roboto" panose="02000000000000000000" pitchFamily="2" charset="0"/>
+              </a:rPr>
+              <a:t>- </a:t>
+            </a:r>
+            <a:r>
+              <a:rPr lang="ru-RU" sz="1400" dirty="0">
+                <a:solidFill>
+                  <a:schemeClr val="bg1"/>
+                </a:solidFill>
+                <a:latin typeface="Roboto" panose="02000000000000000000" pitchFamily="2" charset="0"/>
+                <a:ea typeface="Roboto" panose="02000000000000000000" pitchFamily="2" charset="0"/>
+                <a:cs typeface="Roboto" panose="02000000000000000000" pitchFamily="2" charset="0"/>
+              </a:rPr>
+              <a:t>все продажи у нас через сарафанное радио а не через сайт/ но конкуренты не дремлют / и можно рынок освоить в среднем сегменте (сейчас только премиум)</a:t>
+            </a:r>
+            <a:br>
+              <a:rPr lang="ru-RU" sz="1400" dirty="0">
+                <a:solidFill>
+                  <a:schemeClr val="bg1"/>
+                </a:solidFill>
+                <a:latin typeface="Roboto" panose="02000000000000000000" pitchFamily="2" charset="0"/>
+                <a:ea typeface="Roboto" panose="02000000000000000000" pitchFamily="2" charset="0"/>
+                <a:cs typeface="Roboto" panose="02000000000000000000" pitchFamily="2" charset="0"/>
+              </a:rPr>
+            </a:br>
+            <a:br>
+              <a:rPr lang="ru-RU" sz="1400" dirty="0">
+                <a:solidFill>
+                  <a:schemeClr val="bg1"/>
+                </a:solidFill>
+                <a:latin typeface="Roboto" panose="02000000000000000000" pitchFamily="2" charset="0"/>
+                <a:ea typeface="Roboto" panose="02000000000000000000" pitchFamily="2" charset="0"/>
+                <a:cs typeface="Roboto" panose="02000000000000000000" pitchFamily="2" charset="0"/>
+              </a:rPr>
+            </a:br>
+            <a:r>
+              <a:rPr lang="ru-RU" sz="1400" b="1" i="1" dirty="0">
+                <a:solidFill>
+                  <a:schemeClr val="bg1"/>
+                </a:solidFill>
+                <a:latin typeface="Roboto" panose="02000000000000000000" pitchFamily="2" charset="0"/>
+                <a:ea typeface="Roboto" panose="02000000000000000000" pitchFamily="2" charset="0"/>
+                <a:cs typeface="Roboto" panose="02000000000000000000" pitchFamily="2" charset="0"/>
+              </a:rPr>
+              <a:t>Задача – </a:t>
+            </a:r>
+            <a:r>
+              <a:rPr lang="ru-RU" sz="1400" b="1" i="1" dirty="0" err="1">
+                <a:solidFill>
+                  <a:schemeClr val="bg1"/>
+                </a:solidFill>
+                <a:latin typeface="Roboto" panose="02000000000000000000" pitchFamily="2" charset="0"/>
+                <a:ea typeface="Roboto" panose="02000000000000000000" pitchFamily="2" charset="0"/>
+                <a:cs typeface="Roboto" panose="02000000000000000000" pitchFamily="2" charset="0"/>
+              </a:rPr>
+              <a:t>редизайн</a:t>
+            </a:r>
+            <a:r>
+              <a:rPr lang="ru-RU" sz="1400" b="1" i="1" dirty="0">
+                <a:solidFill>
+                  <a:schemeClr val="bg1"/>
+                </a:solidFill>
+                <a:latin typeface="Roboto" panose="02000000000000000000" pitchFamily="2" charset="0"/>
+                <a:ea typeface="Roboto" panose="02000000000000000000" pitchFamily="2" charset="0"/>
+                <a:cs typeface="Roboto" panose="02000000000000000000" pitchFamily="2" charset="0"/>
+              </a:rPr>
+              <a:t> сайта</a:t>
+            </a:r>
+            <a:r>
+              <a:rPr lang="en-US" sz="1400" b="1" i="1" dirty="0">
+                <a:solidFill>
+                  <a:schemeClr val="bg1"/>
+                </a:solidFill>
+                <a:latin typeface="Roboto" panose="02000000000000000000" pitchFamily="2" charset="0"/>
+                <a:ea typeface="Roboto" panose="02000000000000000000" pitchFamily="2" charset="0"/>
+                <a:cs typeface="Roboto" panose="02000000000000000000" pitchFamily="2" charset="0"/>
+              </a:rPr>
+              <a:t>  (</a:t>
+            </a:r>
+            <a:r>
+              <a:rPr lang="ru-RU" sz="1400" b="1" i="1" dirty="0">
+                <a:solidFill>
+                  <a:schemeClr val="bg1"/>
+                </a:solidFill>
+                <a:latin typeface="Roboto" panose="02000000000000000000" pitchFamily="2" charset="0"/>
+                <a:ea typeface="Roboto" panose="02000000000000000000" pitchFamily="2" charset="0"/>
+                <a:cs typeface="Roboto" panose="02000000000000000000" pitchFamily="2" charset="0"/>
+              </a:rPr>
+              <a:t>имеет смысл в </a:t>
+            </a:r>
+            <a:r>
+              <a:rPr lang="en-US" sz="1400" b="1" i="1" dirty="0">
+                <a:solidFill>
+                  <a:schemeClr val="bg1"/>
+                </a:solidFill>
+                <a:latin typeface="Roboto" panose="02000000000000000000" pitchFamily="2" charset="0"/>
+                <a:ea typeface="Roboto" panose="02000000000000000000" pitchFamily="2" charset="0"/>
+                <a:cs typeface="Roboto" panose="02000000000000000000" pitchFamily="2" charset="0"/>
+              </a:rPr>
+              <a:t> </a:t>
+            </a:r>
+            <a:r>
+              <a:rPr lang="en-US" sz="1400" b="1" i="1" dirty="0" err="1">
+                <a:solidFill>
+                  <a:schemeClr val="bg1"/>
+                </a:solidFill>
+                <a:latin typeface="Roboto" panose="02000000000000000000" pitchFamily="2" charset="0"/>
+                <a:ea typeface="Roboto" panose="02000000000000000000" pitchFamily="2" charset="0"/>
+                <a:cs typeface="Roboto" panose="02000000000000000000" pitchFamily="2" charset="0"/>
+              </a:rPr>
+              <a:t>trello</a:t>
+            </a:r>
+            <a:r>
+              <a:rPr lang="en-US" sz="1400" b="1" i="1" dirty="0">
+                <a:solidFill>
+                  <a:schemeClr val="bg1"/>
+                </a:solidFill>
+                <a:latin typeface="Roboto" panose="02000000000000000000" pitchFamily="2" charset="0"/>
+                <a:ea typeface="Roboto" panose="02000000000000000000" pitchFamily="2" charset="0"/>
+                <a:cs typeface="Roboto" panose="02000000000000000000" pitchFamily="2" charset="0"/>
+              </a:rPr>
+              <a:t> </a:t>
+            </a:r>
+            <a:r>
+              <a:rPr lang="ru-RU" sz="1400" b="1" i="1" dirty="0" err="1">
+                <a:solidFill>
+                  <a:schemeClr val="bg1"/>
+                </a:solidFill>
+                <a:latin typeface="Roboto" panose="02000000000000000000" pitchFamily="2" charset="0"/>
+                <a:ea typeface="Roboto" panose="02000000000000000000" pitchFamily="2" charset="0"/>
+                <a:cs typeface="Roboto" panose="02000000000000000000" pitchFamily="2" charset="0"/>
+              </a:rPr>
+              <a:t>гантта</a:t>
+            </a:r>
+            <a:r>
+              <a:rPr lang="ru-RU" sz="1400" b="1" i="1" dirty="0">
+                <a:solidFill>
+                  <a:schemeClr val="bg1"/>
+                </a:solidFill>
+                <a:latin typeface="Roboto" panose="02000000000000000000" pitchFamily="2" charset="0"/>
+                <a:ea typeface="Roboto" panose="02000000000000000000" pitchFamily="2" charset="0"/>
+                <a:cs typeface="Roboto" panose="02000000000000000000" pitchFamily="2" charset="0"/>
+              </a:rPr>
+              <a:t> делать ? )</a:t>
+            </a:r>
+            <a:br>
+              <a:rPr lang="ru-RU" sz="1400" b="1" i="1" dirty="0">
+                <a:solidFill>
+                  <a:schemeClr val="bg1"/>
+                </a:solidFill>
+                <a:latin typeface="Roboto" panose="02000000000000000000" pitchFamily="2" charset="0"/>
+                <a:ea typeface="Roboto" panose="02000000000000000000" pitchFamily="2" charset="0"/>
+                <a:cs typeface="Roboto" panose="02000000000000000000" pitchFamily="2" charset="0"/>
+              </a:rPr>
+            </a:br>
+            <a:r>
+              <a:rPr lang="ru-RU" sz="1400" dirty="0">
+                <a:solidFill>
+                  <a:schemeClr val="bg1"/>
+                </a:solidFill>
+                <a:latin typeface="Roboto" panose="02000000000000000000" pitchFamily="2" charset="0"/>
+                <a:ea typeface="Roboto" panose="02000000000000000000" pitchFamily="2" charset="0"/>
+                <a:cs typeface="Roboto" panose="02000000000000000000" pitchFamily="2" charset="0"/>
+              </a:rPr>
+              <a:t>работы</a:t>
+            </a:r>
+            <a:r>
+              <a:rPr lang="en-US" sz="1400" dirty="0">
+                <a:solidFill>
+                  <a:schemeClr val="bg1"/>
+                </a:solidFill>
+                <a:latin typeface="Roboto" panose="02000000000000000000" pitchFamily="2" charset="0"/>
+                <a:ea typeface="Roboto" panose="02000000000000000000" pitchFamily="2" charset="0"/>
+                <a:cs typeface="Roboto" panose="02000000000000000000" pitchFamily="2" charset="0"/>
+              </a:rPr>
+              <a:t>:</a:t>
+            </a:r>
+            <a:br>
+              <a:rPr lang="ru-RU" sz="1400" dirty="0">
+                <a:solidFill>
+                  <a:schemeClr val="bg1"/>
+                </a:solidFill>
+                <a:latin typeface="Roboto" panose="02000000000000000000" pitchFamily="2" charset="0"/>
+                <a:ea typeface="Roboto" panose="02000000000000000000" pitchFamily="2" charset="0"/>
+                <a:cs typeface="Roboto" panose="02000000000000000000" pitchFamily="2" charset="0"/>
+              </a:rPr>
+            </a:br>
+            <a:r>
+              <a:rPr lang="ru-RU" sz="1400" dirty="0">
+                <a:solidFill>
+                  <a:schemeClr val="bg1"/>
+                </a:solidFill>
+                <a:latin typeface="Roboto" panose="02000000000000000000" pitchFamily="2" charset="0"/>
+                <a:ea typeface="Roboto" panose="02000000000000000000" pitchFamily="2" charset="0"/>
+                <a:cs typeface="Roboto" panose="02000000000000000000" pitchFamily="2" charset="0"/>
+              </a:rPr>
+              <a:t>- вытащил все материалы в </a:t>
+            </a:r>
+            <a:r>
+              <a:rPr lang="en-US" sz="1400" dirty="0" err="1">
+                <a:solidFill>
+                  <a:schemeClr val="bg1"/>
+                </a:solidFill>
+                <a:latin typeface="Roboto" panose="02000000000000000000" pitchFamily="2" charset="0"/>
+                <a:ea typeface="Roboto" panose="02000000000000000000" pitchFamily="2" charset="0"/>
+                <a:cs typeface="Roboto" panose="02000000000000000000" pitchFamily="2" charset="0"/>
+              </a:rPr>
+              <a:t>miro</a:t>
+            </a:r>
+            <a:r>
+              <a:rPr lang="ru-RU" sz="1400" dirty="0">
+                <a:solidFill>
+                  <a:schemeClr val="bg1"/>
+                </a:solidFill>
+                <a:latin typeface="Roboto" panose="02000000000000000000" pitchFamily="2" charset="0"/>
+                <a:ea typeface="Roboto" panose="02000000000000000000" pitchFamily="2" charset="0"/>
+                <a:cs typeface="Roboto" panose="02000000000000000000" pitchFamily="2" charset="0"/>
+              </a:rPr>
+              <a:t> для подключения возможных людей</a:t>
+            </a:r>
+            <a:br>
+              <a:rPr lang="en-US" sz="1400" dirty="0">
+                <a:solidFill>
+                  <a:schemeClr val="bg1"/>
+                </a:solidFill>
+                <a:latin typeface="Roboto" panose="02000000000000000000" pitchFamily="2" charset="0"/>
+                <a:ea typeface="Roboto" panose="02000000000000000000" pitchFamily="2" charset="0"/>
+                <a:cs typeface="Roboto" panose="02000000000000000000" pitchFamily="2" charset="0"/>
+              </a:rPr>
+            </a:br>
+            <a:r>
+              <a:rPr lang="en-US" sz="1400" dirty="0">
+                <a:solidFill>
+                  <a:schemeClr val="bg1"/>
+                </a:solidFill>
+                <a:latin typeface="Roboto" panose="02000000000000000000" pitchFamily="2" charset="0"/>
+                <a:ea typeface="Roboto" panose="02000000000000000000" pitchFamily="2" charset="0"/>
+                <a:cs typeface="Roboto" panose="02000000000000000000" pitchFamily="2" charset="0"/>
+              </a:rPr>
+              <a:t>- </a:t>
+            </a:r>
+            <a:r>
+              <a:rPr lang="ru-RU" sz="1400" dirty="0">
+                <a:solidFill>
+                  <a:schemeClr val="bg1"/>
+                </a:solidFill>
+                <a:latin typeface="Roboto" panose="02000000000000000000" pitchFamily="2" charset="0"/>
+                <a:ea typeface="Roboto" panose="02000000000000000000" pitchFamily="2" charset="0"/>
+                <a:cs typeface="Roboto" panose="02000000000000000000" pitchFamily="2" charset="0"/>
+              </a:rPr>
+              <a:t>сделал </a:t>
+            </a:r>
+            <a:r>
+              <a:rPr lang="ru-RU" sz="1400" dirty="0" err="1">
+                <a:solidFill>
+                  <a:schemeClr val="bg1"/>
+                </a:solidFill>
+                <a:latin typeface="Roboto" panose="02000000000000000000" pitchFamily="2" charset="0"/>
+                <a:ea typeface="Roboto" panose="02000000000000000000" pitchFamily="2" charset="0"/>
+                <a:cs typeface="Roboto" panose="02000000000000000000" pitchFamily="2" charset="0"/>
+              </a:rPr>
+              <a:t>предпроектый</a:t>
+            </a:r>
+            <a:r>
+              <a:rPr lang="ru-RU" sz="1400" dirty="0">
+                <a:solidFill>
+                  <a:schemeClr val="bg1"/>
+                </a:solidFill>
+                <a:latin typeface="Roboto" panose="02000000000000000000" pitchFamily="2" charset="0"/>
+                <a:ea typeface="Roboto" panose="02000000000000000000" pitchFamily="2" charset="0"/>
+                <a:cs typeface="Roboto" panose="02000000000000000000" pitchFamily="2" charset="0"/>
+              </a:rPr>
+              <a:t> анализ</a:t>
+            </a:r>
+            <a:r>
+              <a:rPr lang="en-US" sz="1400" dirty="0">
+                <a:solidFill>
+                  <a:schemeClr val="bg1"/>
+                </a:solidFill>
+                <a:latin typeface="Roboto" panose="02000000000000000000" pitchFamily="2" charset="0"/>
+                <a:ea typeface="Roboto" panose="02000000000000000000" pitchFamily="2" charset="0"/>
+                <a:cs typeface="Roboto" panose="02000000000000000000" pitchFamily="2" charset="0"/>
+              </a:rPr>
+              <a:t> </a:t>
+            </a:r>
+            <a:r>
+              <a:rPr lang="ru-RU" sz="1400" dirty="0">
+                <a:solidFill>
+                  <a:schemeClr val="bg1"/>
+                </a:solidFill>
+                <a:latin typeface="Roboto" panose="02000000000000000000" pitchFamily="2" charset="0"/>
+                <a:ea typeface="Roboto" panose="02000000000000000000" pitchFamily="2" charset="0"/>
+                <a:cs typeface="Roboto" panose="02000000000000000000" pitchFamily="2" charset="0"/>
+              </a:rPr>
+              <a:t>как мог (вся надежда на ваш курс)</a:t>
+            </a:r>
+            <a:br>
+              <a:rPr lang="ru-RU" sz="1400" dirty="0">
+                <a:solidFill>
+                  <a:schemeClr val="bg1"/>
+                </a:solidFill>
+                <a:latin typeface="Roboto" panose="02000000000000000000" pitchFamily="2" charset="0"/>
+                <a:ea typeface="Roboto" panose="02000000000000000000" pitchFamily="2" charset="0"/>
+                <a:cs typeface="Roboto" panose="02000000000000000000" pitchFamily="2" charset="0"/>
+              </a:rPr>
+            </a:br>
+            <a:r>
+              <a:rPr lang="ru-RU" sz="1400" dirty="0">
+                <a:solidFill>
+                  <a:schemeClr val="bg1"/>
+                </a:solidFill>
+                <a:latin typeface="Roboto" panose="02000000000000000000" pitchFamily="2" charset="0"/>
+                <a:ea typeface="Roboto" panose="02000000000000000000" pitchFamily="2" charset="0"/>
+                <a:cs typeface="Roboto" panose="02000000000000000000" pitchFamily="2" charset="0"/>
+              </a:rPr>
+              <a:t>- СДЕЛАЛ </a:t>
+            </a:r>
+            <a:r>
+              <a:rPr lang="ru-RU" sz="1400" dirty="0" err="1">
+                <a:solidFill>
+                  <a:schemeClr val="bg1"/>
+                </a:solidFill>
+                <a:latin typeface="Roboto" panose="02000000000000000000" pitchFamily="2" charset="0"/>
+                <a:ea typeface="Roboto" panose="02000000000000000000" pitchFamily="2" charset="0"/>
+                <a:cs typeface="Roboto" panose="02000000000000000000" pitchFamily="2" charset="0"/>
+              </a:rPr>
+              <a:t>дизайнгайд</a:t>
+            </a:r>
+            <a:br>
+              <a:rPr lang="ru-RU" sz="1400" dirty="0">
+                <a:solidFill>
+                  <a:schemeClr val="bg1"/>
+                </a:solidFill>
+                <a:latin typeface="Roboto" panose="02000000000000000000" pitchFamily="2" charset="0"/>
+                <a:ea typeface="Roboto" panose="02000000000000000000" pitchFamily="2" charset="0"/>
+                <a:cs typeface="Roboto" panose="02000000000000000000" pitchFamily="2" charset="0"/>
+              </a:rPr>
+            </a:br>
+            <a:r>
+              <a:rPr lang="ru-RU" sz="1400" dirty="0">
+                <a:solidFill>
+                  <a:schemeClr val="bg1"/>
+                </a:solidFill>
+                <a:latin typeface="Roboto" panose="02000000000000000000" pitchFamily="2" charset="0"/>
+                <a:ea typeface="Roboto" panose="02000000000000000000" pitchFamily="2" charset="0"/>
+                <a:cs typeface="Roboto" panose="02000000000000000000" pitchFamily="2" charset="0"/>
+              </a:rPr>
+              <a:t>- сделал прототип в </a:t>
+            </a:r>
+            <a:r>
+              <a:rPr lang="en-US" sz="1400" dirty="0" err="1">
+                <a:solidFill>
+                  <a:schemeClr val="bg1"/>
+                </a:solidFill>
+                <a:latin typeface="Roboto" panose="02000000000000000000" pitchFamily="2" charset="0"/>
+                <a:ea typeface="Roboto" panose="02000000000000000000" pitchFamily="2" charset="0"/>
+                <a:cs typeface="Roboto" panose="02000000000000000000" pitchFamily="2" charset="0"/>
+              </a:rPr>
+              <a:t>figma</a:t>
+            </a:r>
+            <a:r>
+              <a:rPr lang="en-US" sz="1400" dirty="0">
+                <a:solidFill>
+                  <a:schemeClr val="bg1"/>
+                </a:solidFill>
+                <a:latin typeface="Roboto" panose="02000000000000000000" pitchFamily="2" charset="0"/>
+                <a:ea typeface="Roboto" panose="02000000000000000000" pitchFamily="2" charset="0"/>
+                <a:cs typeface="Roboto" panose="02000000000000000000" pitchFamily="2" charset="0"/>
+              </a:rPr>
+              <a:t> </a:t>
+            </a:r>
+            <a:r>
+              <a:rPr lang="ru-RU" sz="1400" dirty="0">
+                <a:solidFill>
+                  <a:schemeClr val="bg1"/>
+                </a:solidFill>
+                <a:latin typeface="Roboto" panose="02000000000000000000" pitchFamily="2" charset="0"/>
+                <a:ea typeface="Roboto" panose="02000000000000000000" pitchFamily="2" charset="0"/>
+                <a:cs typeface="Roboto" panose="02000000000000000000" pitchFamily="2" charset="0"/>
+              </a:rPr>
+              <a:t>который пришлось урезать из за ограничений </a:t>
+            </a:r>
+            <a:r>
+              <a:rPr lang="en-US" sz="1400" dirty="0" err="1">
+                <a:solidFill>
+                  <a:schemeClr val="bg1"/>
+                </a:solidFill>
+                <a:latin typeface="Roboto" panose="02000000000000000000" pitchFamily="2" charset="0"/>
+                <a:ea typeface="Roboto" panose="02000000000000000000" pitchFamily="2" charset="0"/>
+                <a:cs typeface="Roboto" panose="02000000000000000000" pitchFamily="2" charset="0"/>
+              </a:rPr>
+              <a:t>tilda</a:t>
+            </a:r>
+            <a:r>
+              <a:rPr lang="en-US" sz="1400" dirty="0">
+                <a:solidFill>
+                  <a:schemeClr val="bg1"/>
+                </a:solidFill>
+                <a:latin typeface="Roboto" panose="02000000000000000000" pitchFamily="2" charset="0"/>
+                <a:ea typeface="Roboto" panose="02000000000000000000" pitchFamily="2" charset="0"/>
+                <a:cs typeface="Roboto" panose="02000000000000000000" pitchFamily="2" charset="0"/>
+              </a:rPr>
+              <a:t>, </a:t>
+            </a:r>
+            <a:r>
+              <a:rPr lang="ru-RU" sz="1400" dirty="0">
+                <a:solidFill>
+                  <a:schemeClr val="bg1"/>
+                </a:solidFill>
+                <a:latin typeface="Roboto" panose="02000000000000000000" pitchFamily="2" charset="0"/>
+                <a:ea typeface="Roboto" panose="02000000000000000000" pitchFamily="2" charset="0"/>
+                <a:cs typeface="Roboto" panose="02000000000000000000" pitchFamily="2" charset="0"/>
+              </a:rPr>
+              <a:t>в начале хотели </a:t>
+            </a:r>
+            <a:r>
+              <a:rPr lang="en-US" sz="1400" dirty="0" err="1">
+                <a:solidFill>
+                  <a:schemeClr val="bg1"/>
+                </a:solidFill>
+                <a:latin typeface="Roboto" panose="02000000000000000000" pitchFamily="2" charset="0"/>
+                <a:ea typeface="Roboto" panose="02000000000000000000" pitchFamily="2" charset="0"/>
+                <a:cs typeface="Roboto" panose="02000000000000000000" pitchFamily="2" charset="0"/>
+              </a:rPr>
+              <a:t>wordpress</a:t>
+            </a:r>
+            <a:br>
+              <a:rPr lang="ru-RU" sz="1400" dirty="0">
+                <a:solidFill>
+                  <a:schemeClr val="bg1"/>
+                </a:solidFill>
+                <a:latin typeface="Roboto" panose="02000000000000000000" pitchFamily="2" charset="0"/>
+                <a:ea typeface="Roboto" panose="02000000000000000000" pitchFamily="2" charset="0"/>
+                <a:cs typeface="Roboto" panose="02000000000000000000" pitchFamily="2" charset="0"/>
+              </a:rPr>
+            </a:br>
+            <a:r>
+              <a:rPr lang="ru-RU" sz="1400" dirty="0">
+                <a:solidFill>
+                  <a:schemeClr val="bg1"/>
+                </a:solidFill>
+                <a:latin typeface="Roboto" panose="02000000000000000000" pitchFamily="2" charset="0"/>
+                <a:ea typeface="Roboto" panose="02000000000000000000" pitchFamily="2" charset="0"/>
+                <a:cs typeface="Roboto" panose="02000000000000000000" pitchFamily="2" charset="0"/>
+              </a:rPr>
+              <a:t>- выбрал инструментарий для разработки (</a:t>
+            </a:r>
+            <a:r>
+              <a:rPr lang="en-US" sz="1400" dirty="0" err="1">
+                <a:solidFill>
+                  <a:schemeClr val="bg1"/>
+                </a:solidFill>
+                <a:latin typeface="Roboto" panose="02000000000000000000" pitchFamily="2" charset="0"/>
+                <a:ea typeface="Roboto" panose="02000000000000000000" pitchFamily="2" charset="0"/>
+                <a:cs typeface="Roboto" panose="02000000000000000000" pitchFamily="2" charset="0"/>
+              </a:rPr>
+              <a:t>tilda</a:t>
+            </a:r>
+            <a:r>
+              <a:rPr lang="ru-RU" sz="1400" dirty="0">
+                <a:solidFill>
+                  <a:schemeClr val="bg1"/>
+                </a:solidFill>
+                <a:latin typeface="Roboto" panose="02000000000000000000" pitchFamily="2" charset="0"/>
+                <a:ea typeface="Roboto" panose="02000000000000000000" pitchFamily="2" charset="0"/>
+                <a:cs typeface="Roboto" panose="02000000000000000000" pitchFamily="2" charset="0"/>
+              </a:rPr>
+              <a:t>)</a:t>
+            </a:r>
+            <a:br>
+              <a:rPr lang="ru-RU" sz="1400" dirty="0">
+                <a:solidFill>
+                  <a:schemeClr val="bg1"/>
+                </a:solidFill>
+                <a:latin typeface="Roboto" panose="02000000000000000000" pitchFamily="2" charset="0"/>
+                <a:ea typeface="Roboto" panose="02000000000000000000" pitchFamily="2" charset="0"/>
+                <a:cs typeface="Roboto" panose="02000000000000000000" pitchFamily="2" charset="0"/>
+              </a:rPr>
+            </a:br>
+            <a:r>
+              <a:rPr lang="ru-RU" sz="1400" dirty="0">
+                <a:solidFill>
+                  <a:schemeClr val="bg1"/>
+                </a:solidFill>
+                <a:latin typeface="Roboto" panose="02000000000000000000" pitchFamily="2" charset="0"/>
+                <a:ea typeface="Roboto" panose="02000000000000000000" pitchFamily="2" charset="0"/>
+                <a:cs typeface="Roboto" panose="02000000000000000000" pitchFamily="2" charset="0"/>
+              </a:rPr>
+              <a:t>- сейчас разрабатываю на </a:t>
+            </a:r>
+            <a:r>
+              <a:rPr lang="en-US" sz="1400" dirty="0">
+                <a:solidFill>
+                  <a:schemeClr val="bg1"/>
+                </a:solidFill>
+                <a:latin typeface="Roboto" panose="02000000000000000000" pitchFamily="2" charset="0"/>
+                <a:ea typeface="Roboto" panose="02000000000000000000" pitchFamily="2" charset="0"/>
+                <a:cs typeface="Roboto" panose="02000000000000000000" pitchFamily="2" charset="0"/>
+              </a:rPr>
+              <a:t>tilde </a:t>
+            </a:r>
+            <a:r>
+              <a:rPr lang="ru-RU" sz="1400" dirty="0">
+                <a:solidFill>
+                  <a:schemeClr val="bg1"/>
+                </a:solidFill>
+                <a:latin typeface="Roboto" panose="02000000000000000000" pitchFamily="2" charset="0"/>
+                <a:ea typeface="Roboto" panose="02000000000000000000" pitchFamily="2" charset="0"/>
+                <a:cs typeface="Roboto" panose="02000000000000000000" pitchFamily="2" charset="0"/>
+              </a:rPr>
+              <a:t>(сайт типа витрина)</a:t>
+            </a:r>
           </a:p>
         </p:txBody>
       </p:sp>
@@ -6499,22 +7461,1140 @@
         </p:nvSpPr>
         <p:spPr>
           <a:xfrm>
-            <a:off x="1751012" y="4482353"/>
-            <a:ext cx="8689976" cy="775446"/>
+            <a:off x="1751012" y="5775767"/>
+            <a:ext cx="8689976" cy="635700"/>
           </a:xfrm>
         </p:spPr>
         <p:txBody>
-          <a:bodyPr/>
+          <a:bodyPr>
+            <a:normAutofit fontScale="70000" lnSpcReduction="20000"/>
+          </a:bodyPr>
           <a:lstStyle/>
           <a:p>
+            <a:r>
+              <a:rPr lang="en-US" sz="2400" dirty="0">
+                <a:latin typeface="Roboto" panose="02000000000000000000" pitchFamily="2" charset="0"/>
+                <a:ea typeface="Roboto" panose="02000000000000000000" pitchFamily="2" charset="0"/>
+                <a:cs typeface="Roboto" panose="02000000000000000000" pitchFamily="2" charset="0"/>
+              </a:rPr>
+              <a:t>1. </a:t>
+            </a:r>
+            <a:r>
+              <a:rPr lang="ru-RU" sz="2400" dirty="0">
+                <a:latin typeface="Roboto" panose="02000000000000000000" pitchFamily="2" charset="0"/>
+                <a:ea typeface="Roboto" panose="02000000000000000000" pitchFamily="2" charset="0"/>
+                <a:cs typeface="Roboto" panose="02000000000000000000" pitchFamily="2" charset="0"/>
+              </a:rPr>
+              <a:t>Проанализируйте текущую ситуацию заказчика. на 1-2 слайдах опишите краткую предысторию заказчика, сформулируйте задачу</a:t>
+            </a:r>
             <a:endParaRPr lang="ru-RU" dirty="0"/>
           </a:p>
         </p:txBody>
       </p:sp>
+      <p:pic>
+        <p:nvPicPr>
+          <p:cNvPr id="5" name="Graphic 4">
+            <a:extLst>
+              <a:ext uri="{FF2B5EF4-FFF2-40B4-BE49-F238E27FC236}">
+                <a16:creationId xmlns:a16="http://schemas.microsoft.com/office/drawing/2014/main" id="{8099730E-0363-6B41-AAF7-4B4A186BA9E3}"/>
+              </a:ext>
+            </a:extLst>
+          </p:cNvPr>
+          <p:cNvPicPr>
+            <a:picLocks noChangeAspect="1"/>
+          </p:cNvPicPr>
+          <p:nvPr/>
+        </p:nvPicPr>
+        <p:blipFill>
+          <a:blip r:embed="rId2">
+            <a:extLst>
+              <a:ext uri="{96DAC541-7B7A-43D3-8B79-37D633B846F1}">
+                <asvg:svgBlip xmlns:asvg="http://schemas.microsoft.com/office/drawing/2016/SVG/main" r:embed="rId3"/>
+              </a:ext>
+            </a:extLst>
+          </a:blip>
+          <a:stretch>
+            <a:fillRect/>
+          </a:stretch>
+        </p:blipFill>
+        <p:spPr>
+          <a:xfrm>
+            <a:off x="3703898" y="277846"/>
+            <a:ext cx="3831221" cy="474509"/>
+          </a:xfrm>
+          <a:prstGeom prst="rect">
+            <a:avLst/>
+          </a:prstGeom>
+        </p:spPr>
+      </p:pic>
     </p:spTree>
     <p:extLst>
       <p:ext uri="{BB962C8B-B14F-4D97-AF65-F5344CB8AC3E}">
         <p14:creationId xmlns:p14="http://schemas.microsoft.com/office/powerpoint/2010/main" val="482155951"/>
+      </p:ext>
+    </p:extLst>
+  </p:cSld>
+  <p:clrMapOvr>
+    <a:masterClrMapping/>
+  </p:clrMapOvr>
+</p:sld>
+</file>
+
+<file path=ppt/slides/slide3.xml><?xml version="1.0" encoding="utf-8"?>
+<p:sld xmlns:a="http://schemas.openxmlformats.org/drawingml/2006/main" xmlns:r="http://schemas.openxmlformats.org/officeDocument/2006/relationships" xmlns:p="http://schemas.openxmlformats.org/presentationml/2006/main" showMasterSp="0">
+  <p:cSld>
+    <p:spTree>
+      <p:nvGrpSpPr>
+        <p:cNvPr id="1" name=""/>
+        <p:cNvGrpSpPr/>
+        <p:nvPr/>
+      </p:nvGrpSpPr>
+      <p:grpSpPr>
+        <a:xfrm>
+          <a:off x="0" y="0"/>
+          <a:ext cx="0" cy="0"/>
+          <a:chOff x="0" y="0"/>
+          <a:chExt cx="0" cy="0"/>
+        </a:xfrm>
+      </p:grpSpPr>
+      <p:sp>
+        <p:nvSpPr>
+          <p:cNvPr id="2" name="Title 1">
+            <a:extLst>
+              <a:ext uri="{FF2B5EF4-FFF2-40B4-BE49-F238E27FC236}">
+                <a16:creationId xmlns:a16="http://schemas.microsoft.com/office/drawing/2014/main" id="{511C0132-B87F-5E49-BE35-556FD0BD20FD}"/>
+              </a:ext>
+            </a:extLst>
+          </p:cNvPr>
+          <p:cNvSpPr>
+            <a:spLocks noGrp="1"/>
+          </p:cNvSpPr>
+          <p:nvPr>
+            <p:ph type="ctrTitle"/>
+          </p:nvPr>
+        </p:nvSpPr>
+        <p:spPr>
+          <a:xfrm>
+            <a:off x="1751012" y="1111171"/>
+            <a:ext cx="8689976" cy="3738622"/>
+          </a:xfrm>
+        </p:spPr>
+        <p:txBody>
+          <a:bodyPr>
+            <a:noAutofit/>
+          </a:bodyPr>
+          <a:lstStyle/>
+          <a:p>
+            <a:pPr algn="l"/>
+            <a:r>
+              <a:rPr lang="ru-RU" sz="1400" u="sng" dirty="0">
+                <a:solidFill>
+                  <a:schemeClr val="bg1"/>
+                </a:solidFill>
+                <a:latin typeface="Roboto" panose="02000000000000000000" pitchFamily="2" charset="0"/>
+                <a:ea typeface="Roboto" panose="02000000000000000000" pitchFamily="2" charset="0"/>
+                <a:cs typeface="Roboto" panose="02000000000000000000" pitchFamily="2" charset="0"/>
+              </a:rPr>
+              <a:t>Пирамида бренда</a:t>
+            </a:r>
+            <a:br>
+              <a:rPr lang="ru-RU" sz="1400" dirty="0">
+                <a:solidFill>
+                  <a:schemeClr val="bg1"/>
+                </a:solidFill>
+                <a:latin typeface="Roboto" panose="02000000000000000000" pitchFamily="2" charset="0"/>
+                <a:ea typeface="Roboto" panose="02000000000000000000" pitchFamily="2" charset="0"/>
+                <a:cs typeface="Roboto" panose="02000000000000000000" pitchFamily="2" charset="0"/>
+              </a:rPr>
+            </a:br>
+            <a:br>
+              <a:rPr lang="ru-RU" sz="1400" dirty="0">
+                <a:solidFill>
+                  <a:schemeClr val="bg1"/>
+                </a:solidFill>
+                <a:latin typeface="Roboto" panose="02000000000000000000" pitchFamily="2" charset="0"/>
+                <a:ea typeface="Roboto" panose="02000000000000000000" pitchFamily="2" charset="0"/>
+                <a:cs typeface="Roboto" panose="02000000000000000000" pitchFamily="2" charset="0"/>
+              </a:rPr>
+            </a:br>
+            <a:r>
+              <a:rPr lang="ru-RU" sz="1400" dirty="0">
+                <a:solidFill>
+                  <a:schemeClr val="bg1"/>
+                </a:solidFill>
+                <a:latin typeface="Roboto" panose="02000000000000000000" pitchFamily="2" charset="0"/>
+                <a:ea typeface="Roboto" panose="02000000000000000000" pitchFamily="2" charset="0"/>
+                <a:cs typeface="Roboto" panose="02000000000000000000" pitchFamily="2" charset="0"/>
+              </a:rPr>
+              <a:t>Суть бренда – твое пространство / твой мир / полный контроль / легко с одной кнопки</a:t>
+            </a:r>
+            <a:br>
+              <a:rPr lang="ru-RU" sz="1400" dirty="0">
+                <a:solidFill>
+                  <a:schemeClr val="bg1"/>
+                </a:solidFill>
+                <a:latin typeface="Roboto" panose="02000000000000000000" pitchFamily="2" charset="0"/>
+                <a:ea typeface="Roboto" panose="02000000000000000000" pitchFamily="2" charset="0"/>
+                <a:cs typeface="Roboto" panose="02000000000000000000" pitchFamily="2" charset="0"/>
+              </a:rPr>
+            </a:br>
+            <a:br>
+              <a:rPr lang="ru-RU" sz="1400" dirty="0">
+                <a:solidFill>
+                  <a:schemeClr val="bg1"/>
+                </a:solidFill>
+                <a:latin typeface="Roboto" panose="02000000000000000000" pitchFamily="2" charset="0"/>
+                <a:ea typeface="Roboto" panose="02000000000000000000" pitchFamily="2" charset="0"/>
+                <a:cs typeface="Roboto" panose="02000000000000000000" pitchFamily="2" charset="0"/>
+              </a:rPr>
+            </a:br>
+            <a:r>
+              <a:rPr lang="ru-RU" sz="1400" dirty="0">
+                <a:solidFill>
+                  <a:schemeClr val="bg1"/>
+                </a:solidFill>
+                <a:latin typeface="Roboto" panose="02000000000000000000" pitchFamily="2" charset="0"/>
+                <a:ea typeface="Roboto" panose="02000000000000000000" pitchFamily="2" charset="0"/>
+                <a:cs typeface="Roboto" panose="02000000000000000000" pitchFamily="2" charset="0"/>
+              </a:rPr>
+              <a:t>личность – я модная игрушка для людей с </a:t>
+            </a:r>
+            <a:r>
+              <a:rPr lang="ru-RU" sz="1400" dirty="0" err="1">
+                <a:solidFill>
+                  <a:schemeClr val="bg1"/>
+                </a:solidFill>
+                <a:latin typeface="Roboto" panose="02000000000000000000" pitchFamily="2" charset="0"/>
+                <a:ea typeface="Roboto" panose="02000000000000000000" pitchFamily="2" charset="0"/>
+                <a:cs typeface="Roboto" panose="02000000000000000000" pitchFamily="2" charset="0"/>
+              </a:rPr>
+              <a:t>баблом</a:t>
+            </a:r>
+            <a:r>
+              <a:rPr lang="ru-RU" sz="1400" dirty="0">
+                <a:solidFill>
+                  <a:schemeClr val="bg1"/>
+                </a:solidFill>
+                <a:latin typeface="Roboto" panose="02000000000000000000" pitchFamily="2" charset="0"/>
+                <a:ea typeface="Roboto" panose="02000000000000000000" pitchFamily="2" charset="0"/>
+                <a:cs typeface="Roboto" panose="02000000000000000000" pitchFamily="2" charset="0"/>
+              </a:rPr>
+              <a:t> / я могу тебе помочь и развлечь</a:t>
+            </a:r>
+            <a:br>
+              <a:rPr lang="ru-RU" sz="1400" dirty="0">
+                <a:solidFill>
+                  <a:schemeClr val="bg1"/>
+                </a:solidFill>
+                <a:latin typeface="Roboto" panose="02000000000000000000" pitchFamily="2" charset="0"/>
+                <a:ea typeface="Roboto" panose="02000000000000000000" pitchFamily="2" charset="0"/>
+                <a:cs typeface="Roboto" panose="02000000000000000000" pitchFamily="2" charset="0"/>
+              </a:rPr>
+            </a:br>
+            <a:br>
+              <a:rPr lang="ru-RU" sz="1400" dirty="0">
+                <a:solidFill>
+                  <a:schemeClr val="bg1"/>
+                </a:solidFill>
+                <a:latin typeface="Roboto" panose="02000000000000000000" pitchFamily="2" charset="0"/>
+                <a:ea typeface="Roboto" panose="02000000000000000000" pitchFamily="2" charset="0"/>
+                <a:cs typeface="Roboto" panose="02000000000000000000" pitchFamily="2" charset="0"/>
+              </a:rPr>
+            </a:br>
+            <a:r>
+              <a:rPr lang="ru-RU" sz="1400" dirty="0">
+                <a:solidFill>
+                  <a:schemeClr val="bg1"/>
+                </a:solidFill>
+                <a:latin typeface="Roboto" panose="02000000000000000000" pitchFamily="2" charset="0"/>
+                <a:ea typeface="Roboto" panose="02000000000000000000" pitchFamily="2" charset="0"/>
+                <a:cs typeface="Roboto" panose="02000000000000000000" pitchFamily="2" charset="0"/>
+              </a:rPr>
+              <a:t>ценности – Приносит комфорт в ваш дом</a:t>
+            </a:r>
+            <a:br>
+              <a:rPr lang="ru-RU" sz="1400" dirty="0">
+                <a:solidFill>
+                  <a:schemeClr val="bg1"/>
+                </a:solidFill>
+                <a:latin typeface="Roboto" panose="02000000000000000000" pitchFamily="2" charset="0"/>
+                <a:ea typeface="Roboto" panose="02000000000000000000" pitchFamily="2" charset="0"/>
+                <a:cs typeface="Roboto" panose="02000000000000000000" pitchFamily="2" charset="0"/>
+              </a:rPr>
+            </a:br>
+            <a:r>
+              <a:rPr lang="ru-RU" sz="1400" dirty="0">
+                <a:solidFill>
+                  <a:schemeClr val="bg1"/>
+                </a:solidFill>
+                <a:latin typeface="Roboto" panose="02000000000000000000" pitchFamily="2" charset="0"/>
+                <a:ea typeface="Roboto" panose="02000000000000000000" pitchFamily="2" charset="0"/>
+                <a:cs typeface="Roboto" panose="02000000000000000000" pitchFamily="2" charset="0"/>
+              </a:rPr>
+              <a:t>	</a:t>
+            </a:r>
+            <a:br>
+              <a:rPr lang="ru-RU" sz="1400" dirty="0">
+                <a:solidFill>
+                  <a:schemeClr val="bg1"/>
+                </a:solidFill>
+                <a:latin typeface="Roboto" panose="02000000000000000000" pitchFamily="2" charset="0"/>
+                <a:ea typeface="Roboto" panose="02000000000000000000" pitchFamily="2" charset="0"/>
+                <a:cs typeface="Roboto" panose="02000000000000000000" pitchFamily="2" charset="0"/>
+              </a:rPr>
+            </a:br>
+            <a:r>
+              <a:rPr lang="ru-RU" sz="1400" dirty="0">
+                <a:solidFill>
+                  <a:schemeClr val="bg1"/>
+                </a:solidFill>
+                <a:latin typeface="Roboto" panose="02000000000000000000" pitchFamily="2" charset="0"/>
+                <a:ea typeface="Roboto" panose="02000000000000000000" pitchFamily="2" charset="0"/>
+                <a:cs typeface="Roboto" panose="02000000000000000000" pitchFamily="2" charset="0"/>
+              </a:rPr>
+              <a:t>преимущества –  ЭМОЦ( статус/ Имидж /  похвалиться можно /)  &gt; рациональные (удобно/уникальность / решение на пике технологий/)</a:t>
+            </a:r>
+            <a:br>
+              <a:rPr lang="ru-RU" sz="1400" dirty="0">
+                <a:solidFill>
+                  <a:schemeClr val="bg1"/>
+                </a:solidFill>
+                <a:latin typeface="Roboto" panose="02000000000000000000" pitchFamily="2" charset="0"/>
+                <a:ea typeface="Roboto" panose="02000000000000000000" pitchFamily="2" charset="0"/>
+                <a:cs typeface="Roboto" panose="02000000000000000000" pitchFamily="2" charset="0"/>
+              </a:rPr>
+            </a:br>
+            <a:br>
+              <a:rPr lang="ru-RU" sz="1400" dirty="0">
+                <a:solidFill>
+                  <a:schemeClr val="bg1"/>
+                </a:solidFill>
+                <a:latin typeface="Roboto" panose="02000000000000000000" pitchFamily="2" charset="0"/>
+                <a:ea typeface="Roboto" panose="02000000000000000000" pitchFamily="2" charset="0"/>
+                <a:cs typeface="Roboto" panose="02000000000000000000" pitchFamily="2" charset="0"/>
+              </a:rPr>
+            </a:br>
+            <a:r>
+              <a:rPr lang="ru-RU" sz="1400" dirty="0">
+                <a:solidFill>
+                  <a:schemeClr val="bg1"/>
+                </a:solidFill>
+                <a:latin typeface="Roboto" panose="02000000000000000000" pitchFamily="2" charset="0"/>
+                <a:ea typeface="Roboto" panose="02000000000000000000" pitchFamily="2" charset="0"/>
+                <a:cs typeface="Roboto" panose="02000000000000000000" pitchFamily="2" charset="0"/>
+              </a:rPr>
+              <a:t>атрибуты – сайт и  Мобильное приложение интерфейс</a:t>
+            </a:r>
+            <a:br>
+              <a:rPr lang="ru-RU" sz="1400" dirty="0">
+                <a:solidFill>
+                  <a:schemeClr val="bg1"/>
+                </a:solidFill>
+                <a:latin typeface="Roboto" panose="02000000000000000000" pitchFamily="2" charset="0"/>
+                <a:ea typeface="Roboto" panose="02000000000000000000" pitchFamily="2" charset="0"/>
+                <a:cs typeface="Roboto" panose="02000000000000000000" pitchFamily="2" charset="0"/>
+              </a:rPr>
+            </a:br>
+            <a:r>
+              <a:rPr lang="ru-RU" sz="1400" dirty="0">
+                <a:solidFill>
+                  <a:schemeClr val="bg1"/>
+                </a:solidFill>
+                <a:latin typeface="Roboto" panose="02000000000000000000" pitchFamily="2" charset="0"/>
+                <a:ea typeface="Roboto" panose="02000000000000000000" pitchFamily="2" charset="0"/>
+                <a:cs typeface="Roboto" panose="02000000000000000000" pitchFamily="2" charset="0"/>
+              </a:rPr>
+              <a:t>	</a:t>
+            </a:r>
+            <a:br>
+              <a:rPr lang="ru-RU" sz="1400" dirty="0">
+                <a:solidFill>
+                  <a:schemeClr val="bg1"/>
+                </a:solidFill>
+                <a:latin typeface="Roboto" panose="02000000000000000000" pitchFamily="2" charset="0"/>
+                <a:ea typeface="Roboto" panose="02000000000000000000" pitchFamily="2" charset="0"/>
+                <a:cs typeface="Roboto" panose="02000000000000000000" pitchFamily="2" charset="0"/>
+              </a:rPr>
+            </a:br>
+            <a:br>
+              <a:rPr lang="ru-RU" sz="1400" dirty="0">
+                <a:solidFill>
+                  <a:schemeClr val="bg1"/>
+                </a:solidFill>
+                <a:latin typeface="Roboto" panose="02000000000000000000" pitchFamily="2" charset="0"/>
+                <a:ea typeface="Roboto" panose="02000000000000000000" pitchFamily="2" charset="0"/>
+                <a:cs typeface="Roboto" panose="02000000000000000000" pitchFamily="2" charset="0"/>
+              </a:rPr>
+            </a:br>
+            <a:endParaRPr lang="ru-RU" sz="1400" dirty="0">
+              <a:solidFill>
+                <a:schemeClr val="bg1"/>
+              </a:solidFill>
+              <a:latin typeface="Roboto" panose="02000000000000000000" pitchFamily="2" charset="0"/>
+              <a:ea typeface="Roboto" panose="02000000000000000000" pitchFamily="2" charset="0"/>
+              <a:cs typeface="Roboto" panose="02000000000000000000" pitchFamily="2" charset="0"/>
+            </a:endParaRPr>
+          </a:p>
+        </p:txBody>
+      </p:sp>
+      <p:sp>
+        <p:nvSpPr>
+          <p:cNvPr id="3" name="Subtitle 2">
+            <a:extLst>
+              <a:ext uri="{FF2B5EF4-FFF2-40B4-BE49-F238E27FC236}">
+                <a16:creationId xmlns:a16="http://schemas.microsoft.com/office/drawing/2014/main" id="{4F860408-B5B9-2D4C-A2D6-E1579E7CCA6B}"/>
+              </a:ext>
+            </a:extLst>
+          </p:cNvPr>
+          <p:cNvSpPr>
+            <a:spLocks noGrp="1"/>
+          </p:cNvSpPr>
+          <p:nvPr>
+            <p:ph type="subTitle" idx="1"/>
+          </p:nvPr>
+        </p:nvSpPr>
+        <p:spPr>
+          <a:xfrm>
+            <a:off x="1751012" y="5026930"/>
+            <a:ext cx="8689976" cy="1048871"/>
+          </a:xfrm>
+        </p:spPr>
+        <p:txBody>
+          <a:bodyPr>
+            <a:normAutofit fontScale="55000" lnSpcReduction="20000"/>
+          </a:bodyPr>
+          <a:lstStyle/>
+          <a:p>
+            <a:r>
+              <a:rPr lang="ru-RU" sz="2400" dirty="0">
+                <a:latin typeface="Roboto" panose="02000000000000000000" pitchFamily="2" charset="0"/>
+                <a:ea typeface="Roboto" panose="02000000000000000000" pitchFamily="2" charset="0"/>
+                <a:cs typeface="Roboto" panose="02000000000000000000" pitchFamily="2" charset="0"/>
+              </a:rPr>
+              <a:t>2. Проанализируйте бренд заказчика и заполните пирамиду бренда, выявите сильные стороны в позиционировании, на которые нужно сделать акцент. Объясните, как коммуникация бренда выражается в его визуальных элементах.</a:t>
+            </a:r>
+            <a:br>
+              <a:rPr lang="ru-RU" sz="2400" dirty="0">
+                <a:latin typeface="Roboto" panose="02000000000000000000" pitchFamily="2" charset="0"/>
+                <a:ea typeface="Roboto" panose="02000000000000000000" pitchFamily="2" charset="0"/>
+                <a:cs typeface="Roboto" panose="02000000000000000000" pitchFamily="2" charset="0"/>
+              </a:rPr>
+            </a:br>
+            <a:r>
+              <a:rPr lang="ru-RU" sz="2400" dirty="0">
+                <a:latin typeface="Roboto" panose="02000000000000000000" pitchFamily="2" charset="0"/>
+                <a:ea typeface="Roboto" panose="02000000000000000000" pitchFamily="2" charset="0"/>
+                <a:cs typeface="Roboto" panose="02000000000000000000" pitchFamily="2" charset="0"/>
+              </a:rPr>
+              <a:t>Зафиксируйте свои наработки в презентации и пришлите ее на платформу(формат </a:t>
+            </a:r>
+            <a:r>
+              <a:rPr lang="en-US" sz="2400" dirty="0">
+                <a:latin typeface="Roboto" panose="02000000000000000000" pitchFamily="2" charset="0"/>
+                <a:ea typeface="Roboto" panose="02000000000000000000" pitchFamily="2" charset="0"/>
+                <a:cs typeface="Roboto" panose="02000000000000000000" pitchFamily="2" charset="0"/>
+              </a:rPr>
+              <a:t>PDF)</a:t>
+            </a:r>
+            <a:endParaRPr lang="ru-RU" dirty="0"/>
+          </a:p>
+        </p:txBody>
+      </p:sp>
+      <p:pic>
+        <p:nvPicPr>
+          <p:cNvPr id="10" name="Graphic 9">
+            <a:extLst>
+              <a:ext uri="{FF2B5EF4-FFF2-40B4-BE49-F238E27FC236}">
+                <a16:creationId xmlns:a16="http://schemas.microsoft.com/office/drawing/2014/main" id="{06F524B8-55B7-8E49-BD53-116F77C7D3F6}"/>
+              </a:ext>
+            </a:extLst>
+          </p:cNvPr>
+          <p:cNvPicPr>
+            <a:picLocks noChangeAspect="1"/>
+          </p:cNvPicPr>
+          <p:nvPr/>
+        </p:nvPicPr>
+        <p:blipFill>
+          <a:blip r:embed="rId2">
+            <a:extLst>
+              <a:ext uri="{96DAC541-7B7A-43D3-8B79-37D633B846F1}">
+                <asvg:svgBlip xmlns:asvg="http://schemas.microsoft.com/office/drawing/2016/SVG/main" r:embed="rId3"/>
+              </a:ext>
+            </a:extLst>
+          </a:blip>
+          <a:stretch>
+            <a:fillRect/>
+          </a:stretch>
+        </p:blipFill>
+        <p:spPr>
+          <a:xfrm>
+            <a:off x="3703898" y="277846"/>
+            <a:ext cx="3831221" cy="474509"/>
+          </a:xfrm>
+          <a:prstGeom prst="rect">
+            <a:avLst/>
+          </a:prstGeom>
+        </p:spPr>
+      </p:pic>
+    </p:spTree>
+    <p:extLst>
+      <p:ext uri="{BB962C8B-B14F-4D97-AF65-F5344CB8AC3E}">
+        <p14:creationId xmlns:p14="http://schemas.microsoft.com/office/powerpoint/2010/main" val="2513855844"/>
+      </p:ext>
+    </p:extLst>
+  </p:cSld>
+  <p:clrMapOvr>
+    <a:masterClrMapping/>
+  </p:clrMapOvr>
+</p:sld>
+</file>
+
+<file path=ppt/slides/slide4.xml><?xml version="1.0" encoding="utf-8"?>
+<p:sld xmlns:a="http://schemas.openxmlformats.org/drawingml/2006/main" xmlns:r="http://schemas.openxmlformats.org/officeDocument/2006/relationships" xmlns:p="http://schemas.openxmlformats.org/presentationml/2006/main" showMasterSp="0">
+  <p:cSld>
+    <p:spTree>
+      <p:nvGrpSpPr>
+        <p:cNvPr id="1" name=""/>
+        <p:cNvGrpSpPr/>
+        <p:nvPr/>
+      </p:nvGrpSpPr>
+      <p:grpSpPr>
+        <a:xfrm>
+          <a:off x="0" y="0"/>
+          <a:ext cx="0" cy="0"/>
+          <a:chOff x="0" y="0"/>
+          <a:chExt cx="0" cy="0"/>
+        </a:xfrm>
+      </p:grpSpPr>
+      <p:sp>
+        <p:nvSpPr>
+          <p:cNvPr id="2" name="Title 1">
+            <a:extLst>
+              <a:ext uri="{FF2B5EF4-FFF2-40B4-BE49-F238E27FC236}">
+                <a16:creationId xmlns:a16="http://schemas.microsoft.com/office/drawing/2014/main" id="{511C0132-B87F-5E49-BE35-556FD0BD20FD}"/>
+              </a:ext>
+            </a:extLst>
+          </p:cNvPr>
+          <p:cNvSpPr>
+            <a:spLocks noGrp="1"/>
+          </p:cNvSpPr>
+          <p:nvPr>
+            <p:ph type="ctrTitle"/>
+          </p:nvPr>
+        </p:nvSpPr>
+        <p:spPr>
+          <a:xfrm>
+            <a:off x="1751012" y="1111171"/>
+            <a:ext cx="8689976" cy="4132162"/>
+          </a:xfrm>
+        </p:spPr>
+        <p:txBody>
+          <a:bodyPr>
+            <a:noAutofit/>
+          </a:bodyPr>
+          <a:lstStyle/>
+          <a:p>
+            <a:pPr algn="l"/>
+            <a:r>
+              <a:rPr lang="ru-RU" sz="1200" u="sng" dirty="0">
+                <a:solidFill>
+                  <a:schemeClr val="bg1"/>
+                </a:solidFill>
+                <a:latin typeface="Roboto" panose="02000000000000000000" pitchFamily="2" charset="0"/>
+                <a:ea typeface="Roboto" panose="02000000000000000000" pitchFamily="2" charset="0"/>
+                <a:cs typeface="Roboto" panose="02000000000000000000" pitchFamily="2" charset="0"/>
+              </a:rPr>
+              <a:t>Сильные стороны в позиционировании на которые нужно сделать акцент:</a:t>
+            </a:r>
+            <a:br>
+              <a:rPr lang="ru-RU" sz="1200" u="sng" dirty="0">
+                <a:solidFill>
+                  <a:schemeClr val="bg1"/>
+                </a:solidFill>
+                <a:latin typeface="Roboto" panose="02000000000000000000" pitchFamily="2" charset="0"/>
+                <a:ea typeface="Roboto" panose="02000000000000000000" pitchFamily="2" charset="0"/>
+                <a:cs typeface="Roboto" panose="02000000000000000000" pitchFamily="2" charset="0"/>
+              </a:rPr>
+            </a:br>
+            <a:br>
+              <a:rPr lang="ru-RU" sz="1200" dirty="0">
+                <a:solidFill>
+                  <a:schemeClr val="bg1"/>
+                </a:solidFill>
+                <a:latin typeface="Roboto" panose="02000000000000000000" pitchFamily="2" charset="0"/>
+                <a:ea typeface="Roboto" panose="02000000000000000000" pitchFamily="2" charset="0"/>
+                <a:cs typeface="Roboto" panose="02000000000000000000" pitchFamily="2" charset="0"/>
+              </a:rPr>
+            </a:br>
+            <a:r>
+              <a:rPr lang="ru-RU" sz="1200" dirty="0">
+                <a:solidFill>
+                  <a:schemeClr val="bg1"/>
+                </a:solidFill>
+                <a:latin typeface="Roboto" panose="02000000000000000000" pitchFamily="2" charset="0"/>
+                <a:ea typeface="Roboto" panose="02000000000000000000" pitchFamily="2" charset="0"/>
+                <a:cs typeface="Roboto" panose="02000000000000000000" pitchFamily="2" charset="0"/>
+              </a:rPr>
+              <a:t>позиционирование в </a:t>
+            </a:r>
+            <a:r>
+              <a:rPr lang="ru-RU" sz="1200" dirty="0" err="1">
+                <a:solidFill>
+                  <a:schemeClr val="bg1"/>
+                </a:solidFill>
+                <a:latin typeface="Roboto" panose="02000000000000000000" pitchFamily="2" charset="0"/>
+                <a:ea typeface="Roboto" panose="02000000000000000000" pitchFamily="2" charset="0"/>
+                <a:cs typeface="Roboto" panose="02000000000000000000" pitchFamily="2" charset="0"/>
+              </a:rPr>
+              <a:t>лакшери</a:t>
+            </a:r>
+            <a:r>
+              <a:rPr lang="ru-RU" sz="1200" dirty="0">
+                <a:solidFill>
+                  <a:schemeClr val="bg1"/>
+                </a:solidFill>
+                <a:latin typeface="Roboto" panose="02000000000000000000" pitchFamily="2" charset="0"/>
+                <a:ea typeface="Roboto" panose="02000000000000000000" pitchFamily="2" charset="0"/>
+                <a:cs typeface="Roboto" panose="02000000000000000000" pitchFamily="2" charset="0"/>
+              </a:rPr>
+              <a:t> сегменте </a:t>
+            </a:r>
+            <a:br>
+              <a:rPr lang="ru-RU" sz="1200" dirty="0">
+                <a:solidFill>
+                  <a:schemeClr val="bg1"/>
+                </a:solidFill>
+                <a:latin typeface="Roboto" panose="02000000000000000000" pitchFamily="2" charset="0"/>
+                <a:ea typeface="Roboto" panose="02000000000000000000" pitchFamily="2" charset="0"/>
+                <a:cs typeface="Roboto" panose="02000000000000000000" pitchFamily="2" charset="0"/>
+              </a:rPr>
+            </a:br>
+            <a:r>
+              <a:rPr lang="ru-RU" sz="1200" dirty="0">
+                <a:solidFill>
+                  <a:schemeClr val="bg1"/>
+                </a:solidFill>
+                <a:latin typeface="Roboto" panose="02000000000000000000" pitchFamily="2" charset="0"/>
+                <a:ea typeface="Roboto" panose="02000000000000000000" pitchFamily="2" charset="0"/>
+                <a:cs typeface="Roboto" panose="02000000000000000000" pitchFamily="2" charset="0"/>
+              </a:rPr>
+              <a:t>- акцент на премиальное оборудование и </a:t>
+            </a:r>
+            <a:r>
+              <a:rPr lang="ru-RU" sz="1200" dirty="0" err="1">
+                <a:solidFill>
+                  <a:schemeClr val="bg1"/>
+                </a:solidFill>
+                <a:latin typeface="Roboto" panose="02000000000000000000" pitchFamily="2" charset="0"/>
+                <a:ea typeface="Roboto" panose="02000000000000000000" pitchFamily="2" charset="0"/>
+                <a:cs typeface="Roboto" panose="02000000000000000000" pitchFamily="2" charset="0"/>
+              </a:rPr>
+              <a:t>кастомные</a:t>
+            </a:r>
+            <a:r>
+              <a:rPr lang="ru-RU" sz="1200" dirty="0">
+                <a:solidFill>
+                  <a:schemeClr val="bg1"/>
+                </a:solidFill>
+                <a:latin typeface="Roboto" panose="02000000000000000000" pitchFamily="2" charset="0"/>
+                <a:ea typeface="Roboto" panose="02000000000000000000" pitchFamily="2" charset="0"/>
+                <a:cs typeface="Roboto" panose="02000000000000000000" pitchFamily="2" charset="0"/>
+              </a:rPr>
+              <a:t> решения -  наши клиенты </a:t>
+            </a:r>
+            <a:r>
+              <a:rPr lang="ru-RU" sz="1200" dirty="0" err="1">
+                <a:solidFill>
+                  <a:schemeClr val="bg1"/>
+                </a:solidFill>
+                <a:latin typeface="Roboto" panose="02000000000000000000" pitchFamily="2" charset="0"/>
+                <a:ea typeface="Roboto" panose="02000000000000000000" pitchFamily="2" charset="0"/>
+                <a:cs typeface="Roboto" panose="02000000000000000000" pitchFamily="2" charset="0"/>
+              </a:rPr>
+              <a:t>ставять</a:t>
+            </a:r>
+            <a:r>
+              <a:rPr lang="ru-RU" sz="1200" dirty="0">
+                <a:solidFill>
+                  <a:schemeClr val="bg1"/>
+                </a:solidFill>
+                <a:latin typeface="Roboto" panose="02000000000000000000" pitchFamily="2" charset="0"/>
+                <a:ea typeface="Roboto" panose="02000000000000000000" pitchFamily="2" charset="0"/>
+                <a:cs typeface="Roboto" panose="02000000000000000000" pitchFamily="2" charset="0"/>
+              </a:rPr>
+              <a:t> себе нашу систему потому что такого ни у кого нет и позволить себе ее может не каждый</a:t>
+            </a:r>
+            <a:br>
+              <a:rPr lang="ru-RU" sz="1200" dirty="0">
+                <a:solidFill>
+                  <a:schemeClr val="bg1"/>
+                </a:solidFill>
+                <a:latin typeface="Roboto" panose="02000000000000000000" pitchFamily="2" charset="0"/>
+                <a:ea typeface="Roboto" panose="02000000000000000000" pitchFamily="2" charset="0"/>
+                <a:cs typeface="Roboto" panose="02000000000000000000" pitchFamily="2" charset="0"/>
+              </a:rPr>
+            </a:br>
+            <a:r>
+              <a:rPr lang="ru-RU" sz="1200" dirty="0">
+                <a:solidFill>
+                  <a:schemeClr val="bg1"/>
+                </a:solidFill>
+                <a:latin typeface="Roboto" panose="02000000000000000000" pitchFamily="2" charset="0"/>
+                <a:ea typeface="Roboto" panose="02000000000000000000" pitchFamily="2" charset="0"/>
+                <a:cs typeface="Roboto" panose="02000000000000000000" pitchFamily="2" charset="0"/>
+              </a:rPr>
+              <a:t>- акцент на профессиональные и </a:t>
+            </a:r>
+            <a:r>
+              <a:rPr lang="ru-RU" sz="1200" dirty="0" err="1">
+                <a:solidFill>
+                  <a:schemeClr val="bg1"/>
+                </a:solidFill>
+                <a:latin typeface="Roboto" panose="02000000000000000000" pitchFamily="2" charset="0"/>
+                <a:ea typeface="Roboto" panose="02000000000000000000" pitchFamily="2" charset="0"/>
+                <a:cs typeface="Roboto" panose="02000000000000000000" pitchFamily="2" charset="0"/>
+              </a:rPr>
+              <a:t>топовые</a:t>
+            </a:r>
+            <a:r>
+              <a:rPr lang="ru-RU" sz="1200" dirty="0">
+                <a:solidFill>
+                  <a:schemeClr val="bg1"/>
+                </a:solidFill>
+                <a:latin typeface="Roboto" panose="02000000000000000000" pitchFamily="2" charset="0"/>
+                <a:ea typeface="Roboto" panose="02000000000000000000" pitchFamily="2" charset="0"/>
+                <a:cs typeface="Roboto" panose="02000000000000000000" pitchFamily="2" charset="0"/>
+              </a:rPr>
+              <a:t> решения решения</a:t>
+            </a:r>
+            <a:br>
+              <a:rPr lang="ru-RU" sz="1200" dirty="0">
+                <a:solidFill>
+                  <a:schemeClr val="bg1"/>
+                </a:solidFill>
+                <a:latin typeface="Roboto" panose="02000000000000000000" pitchFamily="2" charset="0"/>
+                <a:ea typeface="Roboto" panose="02000000000000000000" pitchFamily="2" charset="0"/>
+                <a:cs typeface="Roboto" panose="02000000000000000000" pitchFamily="2" charset="0"/>
+              </a:rPr>
+            </a:br>
+            <a:r>
+              <a:rPr lang="ru-RU" sz="1200" dirty="0">
+                <a:solidFill>
+                  <a:schemeClr val="bg1"/>
+                </a:solidFill>
+                <a:latin typeface="Roboto" panose="02000000000000000000" pitchFamily="2" charset="0"/>
+                <a:ea typeface="Roboto" panose="02000000000000000000" pitchFamily="2" charset="0"/>
+                <a:cs typeface="Roboto" panose="02000000000000000000" pitchFamily="2" charset="0"/>
+              </a:rPr>
+              <a:t>- акцент на комфортный результат</a:t>
+            </a:r>
+            <a:br>
+              <a:rPr lang="ru-RU" sz="1200" dirty="0">
+                <a:solidFill>
+                  <a:schemeClr val="bg1"/>
+                </a:solidFill>
+                <a:latin typeface="Roboto" panose="02000000000000000000" pitchFamily="2" charset="0"/>
+                <a:ea typeface="Roboto" panose="02000000000000000000" pitchFamily="2" charset="0"/>
+                <a:cs typeface="Roboto" panose="02000000000000000000" pitchFamily="2" charset="0"/>
+              </a:rPr>
+            </a:br>
+            <a:r>
+              <a:rPr lang="ru-RU" sz="1200" dirty="0">
+                <a:solidFill>
+                  <a:schemeClr val="bg1"/>
+                </a:solidFill>
+                <a:latin typeface="Roboto" panose="02000000000000000000" pitchFamily="2" charset="0"/>
+                <a:ea typeface="Roboto" panose="02000000000000000000" pitchFamily="2" charset="0"/>
+                <a:cs typeface="Roboto" panose="02000000000000000000" pitchFamily="2" charset="0"/>
+              </a:rPr>
+              <a:t>- акцент на самые новые технологии</a:t>
+            </a:r>
+            <a:br>
+              <a:rPr lang="ru-RU" sz="1200" dirty="0">
+                <a:solidFill>
+                  <a:schemeClr val="bg1"/>
+                </a:solidFill>
+                <a:latin typeface="Roboto" panose="02000000000000000000" pitchFamily="2" charset="0"/>
+                <a:ea typeface="Roboto" panose="02000000000000000000" pitchFamily="2" charset="0"/>
+                <a:cs typeface="Roboto" panose="02000000000000000000" pitchFamily="2" charset="0"/>
+              </a:rPr>
+            </a:br>
+            <a:br>
+              <a:rPr lang="ru-RU" sz="1200" dirty="0">
+                <a:solidFill>
+                  <a:schemeClr val="bg1"/>
+                </a:solidFill>
+                <a:latin typeface="Roboto" panose="02000000000000000000" pitchFamily="2" charset="0"/>
+                <a:ea typeface="Roboto" panose="02000000000000000000" pitchFamily="2" charset="0"/>
+                <a:cs typeface="Roboto" panose="02000000000000000000" pitchFamily="2" charset="0"/>
+              </a:rPr>
+            </a:br>
+            <a:br>
+              <a:rPr lang="ru-RU" sz="1200" dirty="0">
+                <a:solidFill>
+                  <a:schemeClr val="bg1"/>
+                </a:solidFill>
+                <a:latin typeface="Roboto" panose="02000000000000000000" pitchFamily="2" charset="0"/>
+                <a:ea typeface="Roboto" panose="02000000000000000000" pitchFamily="2" charset="0"/>
+                <a:cs typeface="Roboto" panose="02000000000000000000" pitchFamily="2" charset="0"/>
+              </a:rPr>
+            </a:br>
+            <a:r>
+              <a:rPr lang="ru-RU" sz="1200" u="sng" dirty="0">
+                <a:solidFill>
+                  <a:schemeClr val="bg1"/>
+                </a:solidFill>
+                <a:latin typeface="Roboto" panose="02000000000000000000" pitchFamily="2" charset="0"/>
+                <a:ea typeface="Roboto" panose="02000000000000000000" pitchFamily="2" charset="0"/>
+                <a:cs typeface="Roboto" panose="02000000000000000000" pitchFamily="2" charset="0"/>
+              </a:rPr>
+              <a:t>коммуникация бренда выражается в его визуальных элементах</a:t>
+            </a:r>
+            <a:br>
+              <a:rPr lang="ru-RU" sz="1200" u="sng" dirty="0">
+                <a:solidFill>
+                  <a:schemeClr val="bg1"/>
+                </a:solidFill>
+                <a:latin typeface="Roboto" panose="02000000000000000000" pitchFamily="2" charset="0"/>
+                <a:ea typeface="Roboto" panose="02000000000000000000" pitchFamily="2" charset="0"/>
+                <a:cs typeface="Roboto" panose="02000000000000000000" pitchFamily="2" charset="0"/>
+              </a:rPr>
+            </a:br>
+            <a:br>
+              <a:rPr lang="ru-RU" sz="1200" u="sng" dirty="0">
+                <a:solidFill>
+                  <a:schemeClr val="bg1"/>
+                </a:solidFill>
+                <a:latin typeface="Roboto" panose="02000000000000000000" pitchFamily="2" charset="0"/>
+                <a:ea typeface="Roboto" panose="02000000000000000000" pitchFamily="2" charset="0"/>
+                <a:cs typeface="Roboto" panose="02000000000000000000" pitchFamily="2" charset="0"/>
+              </a:rPr>
+            </a:br>
+            <a:r>
+              <a:rPr lang="ru-RU" sz="1200" dirty="0">
+                <a:solidFill>
+                  <a:schemeClr val="bg1"/>
+                </a:solidFill>
+                <a:latin typeface="Roboto" panose="02000000000000000000" pitchFamily="2" charset="0"/>
+                <a:ea typeface="Roboto" panose="02000000000000000000" pitchFamily="2" charset="0"/>
+                <a:cs typeface="Roboto" panose="02000000000000000000" pitchFamily="2" charset="0"/>
+              </a:rPr>
+              <a:t>- коммуникация через сайт и директора по продажам)</a:t>
+            </a:r>
+            <a:br>
+              <a:rPr lang="ru-RU" sz="1200" dirty="0">
+                <a:solidFill>
+                  <a:schemeClr val="bg1"/>
+                </a:solidFill>
+                <a:latin typeface="Roboto" panose="02000000000000000000" pitchFamily="2" charset="0"/>
+                <a:ea typeface="Roboto" panose="02000000000000000000" pitchFamily="2" charset="0"/>
+                <a:cs typeface="Roboto" panose="02000000000000000000" pitchFamily="2" charset="0"/>
+              </a:rPr>
+            </a:br>
+            <a:r>
+              <a:rPr lang="ru-RU" sz="1200" dirty="0">
+                <a:solidFill>
+                  <a:schemeClr val="bg1"/>
+                </a:solidFill>
+                <a:latin typeface="Roboto" panose="02000000000000000000" pitchFamily="2" charset="0"/>
+                <a:ea typeface="Roboto" panose="02000000000000000000" pitchFamily="2" charset="0"/>
+                <a:cs typeface="Roboto" panose="02000000000000000000" pitchFamily="2" charset="0"/>
+              </a:rPr>
+              <a:t>- на сайте клиент видит дорогое портфолио с дорогими интерьерами </a:t>
+            </a:r>
+            <a:br>
+              <a:rPr lang="ru-RU" sz="1200" dirty="0">
+                <a:solidFill>
+                  <a:schemeClr val="bg1"/>
+                </a:solidFill>
+                <a:latin typeface="Roboto" panose="02000000000000000000" pitchFamily="2" charset="0"/>
+                <a:ea typeface="Roboto" panose="02000000000000000000" pitchFamily="2" charset="0"/>
+                <a:cs typeface="Roboto" panose="02000000000000000000" pitchFamily="2" charset="0"/>
+              </a:rPr>
+            </a:br>
+            <a:r>
+              <a:rPr lang="en-US" sz="1200" dirty="0">
+                <a:solidFill>
+                  <a:srgbClr val="FF0000"/>
+                </a:solidFill>
+                <a:latin typeface="Roboto" panose="02000000000000000000" pitchFamily="2" charset="0"/>
+                <a:ea typeface="Roboto" panose="02000000000000000000" pitchFamily="2" charset="0"/>
+                <a:cs typeface="Roboto" panose="02000000000000000000" pitchFamily="2" charset="0"/>
+              </a:rPr>
+              <a:t>** </a:t>
+            </a:r>
+            <a:r>
+              <a:rPr lang="ru-RU" sz="1200" dirty="0">
+                <a:solidFill>
+                  <a:srgbClr val="FF0000"/>
+                </a:solidFill>
+                <a:latin typeface="Roboto" panose="02000000000000000000" pitchFamily="2" charset="0"/>
+                <a:ea typeface="Roboto" panose="02000000000000000000" pitchFamily="2" charset="0"/>
+                <a:cs typeface="Roboto" panose="02000000000000000000" pitchFamily="2" charset="0"/>
+              </a:rPr>
+              <a:t>но есть проблема </a:t>
+            </a:r>
+            <a:br>
+              <a:rPr lang="ru-RU" sz="1200" dirty="0">
+                <a:solidFill>
+                  <a:schemeClr val="bg1"/>
+                </a:solidFill>
+                <a:latin typeface="Roboto" panose="02000000000000000000" pitchFamily="2" charset="0"/>
+                <a:ea typeface="Roboto" panose="02000000000000000000" pitchFamily="2" charset="0"/>
+                <a:cs typeface="Roboto" panose="02000000000000000000" pitchFamily="2" charset="0"/>
+              </a:rPr>
+            </a:br>
+            <a:r>
+              <a:rPr lang="ru-RU" sz="1200" dirty="0">
+                <a:solidFill>
+                  <a:srgbClr val="FF0000"/>
+                </a:solidFill>
+                <a:latin typeface="Roboto" panose="02000000000000000000" pitchFamily="2" charset="0"/>
+                <a:ea typeface="Roboto" panose="02000000000000000000" pitchFamily="2" charset="0"/>
+                <a:cs typeface="Roboto" panose="02000000000000000000" pitchFamily="2" charset="0"/>
+              </a:rPr>
+              <a:t>я не знаю, как показывать именно то что делаем мы? </a:t>
+            </a:r>
+            <a:br>
+              <a:rPr lang="ru-RU" sz="1200" dirty="0">
+                <a:solidFill>
+                  <a:srgbClr val="FF0000"/>
+                </a:solidFill>
+                <a:latin typeface="Roboto" panose="02000000000000000000" pitchFamily="2" charset="0"/>
+                <a:ea typeface="Roboto" panose="02000000000000000000" pitchFamily="2" charset="0"/>
+                <a:cs typeface="Roboto" panose="02000000000000000000" pitchFamily="2" charset="0"/>
+              </a:rPr>
+            </a:br>
+            <a:r>
+              <a:rPr lang="ru-RU" sz="1200" dirty="0">
+                <a:solidFill>
+                  <a:srgbClr val="FF0000"/>
+                </a:solidFill>
+                <a:latin typeface="Roboto" panose="02000000000000000000" pitchFamily="2" charset="0"/>
+                <a:ea typeface="Roboto" panose="02000000000000000000" pitchFamily="2" charset="0"/>
+                <a:cs typeface="Roboto" panose="02000000000000000000" pitchFamily="2" charset="0"/>
+              </a:rPr>
+              <a:t>По сути оно все </a:t>
+            </a:r>
+            <a:r>
+              <a:rPr lang="ru-RU" sz="1200" dirty="0" err="1">
+                <a:solidFill>
+                  <a:srgbClr val="FF0000"/>
+                </a:solidFill>
+                <a:latin typeface="Roboto" panose="02000000000000000000" pitchFamily="2" charset="0"/>
+                <a:ea typeface="Roboto" panose="02000000000000000000" pitchFamily="2" charset="0"/>
+                <a:cs typeface="Roboto" panose="02000000000000000000" pitchFamily="2" charset="0"/>
+              </a:rPr>
+              <a:t>скруто</a:t>
+            </a:r>
+            <a:r>
+              <a:rPr lang="ru-RU" sz="1200" dirty="0">
+                <a:solidFill>
+                  <a:srgbClr val="FF0000"/>
+                </a:solidFill>
+                <a:latin typeface="Roboto" panose="02000000000000000000" pitchFamily="2" charset="0"/>
+                <a:ea typeface="Roboto" panose="02000000000000000000" pitchFamily="2" charset="0"/>
+                <a:cs typeface="Roboto" panose="02000000000000000000" pitchFamily="2" charset="0"/>
+              </a:rPr>
+              <a:t>, оборудование прячется, Телевизор это просто экран</a:t>
+            </a:r>
+            <a:r>
+              <a:rPr lang="en-US" sz="1200" dirty="0">
+                <a:solidFill>
+                  <a:srgbClr val="FF0000"/>
+                </a:solidFill>
+                <a:latin typeface="Roboto" panose="02000000000000000000" pitchFamily="2" charset="0"/>
+                <a:ea typeface="Roboto" panose="02000000000000000000" pitchFamily="2" charset="0"/>
+                <a:cs typeface="Roboto" panose="02000000000000000000" pitchFamily="2" charset="0"/>
+              </a:rPr>
+              <a:t>, </a:t>
+            </a:r>
+            <a:r>
+              <a:rPr lang="ru-RU" sz="1200" dirty="0">
+                <a:solidFill>
+                  <a:srgbClr val="FF0000"/>
+                </a:solidFill>
+                <a:latin typeface="Roboto" panose="02000000000000000000" pitchFamily="2" charset="0"/>
+                <a:ea typeface="Roboto" panose="02000000000000000000" pitchFamily="2" charset="0"/>
+                <a:cs typeface="Roboto" panose="02000000000000000000" pitchFamily="2" charset="0"/>
+              </a:rPr>
+              <a:t>стойка с оборудованием никому не интересна/ </a:t>
+            </a:r>
+            <a:r>
+              <a:rPr lang="en-US" sz="1200" dirty="0">
+                <a:solidFill>
+                  <a:srgbClr val="FF0000"/>
+                </a:solidFill>
+                <a:latin typeface="Roboto" panose="02000000000000000000" pitchFamily="2" charset="0"/>
+                <a:ea typeface="Roboto" panose="02000000000000000000" pitchFamily="2" charset="0"/>
+                <a:cs typeface="Roboto" panose="02000000000000000000" pitchFamily="2" charset="0"/>
+              </a:rPr>
+              <a:t> </a:t>
+            </a:r>
+            <a:br>
+              <a:rPr lang="ru-RU" sz="1200" dirty="0">
+                <a:solidFill>
+                  <a:srgbClr val="FF0000"/>
+                </a:solidFill>
+                <a:latin typeface="Roboto" panose="02000000000000000000" pitchFamily="2" charset="0"/>
+                <a:ea typeface="Roboto" panose="02000000000000000000" pitchFamily="2" charset="0"/>
+                <a:cs typeface="Roboto" panose="02000000000000000000" pitchFamily="2" charset="0"/>
+              </a:rPr>
+            </a:br>
+            <a:r>
+              <a:rPr lang="ru-RU" sz="1200" dirty="0">
+                <a:solidFill>
+                  <a:srgbClr val="FF0000"/>
+                </a:solidFill>
+                <a:latin typeface="Roboto" panose="02000000000000000000" pitchFamily="2" charset="0"/>
+                <a:ea typeface="Roboto" panose="02000000000000000000" pitchFamily="2" charset="0"/>
+                <a:cs typeface="Roboto" panose="02000000000000000000" pitchFamily="2" charset="0"/>
+              </a:rPr>
+              <a:t>остается выкладывать фото с красивым архитектурным освещением в красивых интерьерах/ а есть еще мобильное приложение/</a:t>
+            </a:r>
+            <a:br>
+              <a:rPr lang="ru-RU" sz="1200" dirty="0">
+                <a:solidFill>
+                  <a:srgbClr val="FF0000"/>
+                </a:solidFill>
+                <a:latin typeface="Roboto" panose="02000000000000000000" pitchFamily="2" charset="0"/>
+                <a:ea typeface="Roboto" panose="02000000000000000000" pitchFamily="2" charset="0"/>
+                <a:cs typeface="Roboto" panose="02000000000000000000" pitchFamily="2" charset="0"/>
+              </a:rPr>
+            </a:br>
+            <a:r>
+              <a:rPr lang="ru-RU" sz="1200" dirty="0">
+                <a:solidFill>
+                  <a:srgbClr val="FF0000"/>
+                </a:solidFill>
+                <a:latin typeface="Roboto" panose="02000000000000000000" pitchFamily="2" charset="0"/>
+                <a:ea typeface="Roboto" panose="02000000000000000000" pitchFamily="2" charset="0"/>
+                <a:cs typeface="Roboto" panose="02000000000000000000" pitchFamily="2" charset="0"/>
+              </a:rPr>
+              <a:t>а вся магия за кадром, возможно как то надо делать видео или анимации….	</a:t>
+            </a:r>
+            <a:br>
+              <a:rPr lang="ru-RU" sz="1200" dirty="0">
+                <a:solidFill>
+                  <a:srgbClr val="FF0000"/>
+                </a:solidFill>
+                <a:latin typeface="Roboto" panose="02000000000000000000" pitchFamily="2" charset="0"/>
+                <a:ea typeface="Roboto" panose="02000000000000000000" pitchFamily="2" charset="0"/>
+                <a:cs typeface="Roboto" panose="02000000000000000000" pitchFamily="2" charset="0"/>
+              </a:rPr>
+            </a:br>
+            <a:r>
+              <a:rPr lang="ru-RU" sz="1200" dirty="0">
+                <a:solidFill>
+                  <a:srgbClr val="FF0000"/>
+                </a:solidFill>
+                <a:latin typeface="Roboto" panose="02000000000000000000" pitchFamily="2" charset="0"/>
+                <a:ea typeface="Roboto" panose="02000000000000000000" pitchFamily="2" charset="0"/>
+                <a:cs typeface="Roboto" panose="02000000000000000000" pitchFamily="2" charset="0"/>
+              </a:rPr>
+              <a:t>НАША ЦА – это обычно мужчины от 40-60, клиенты или архитекторы, Дизайн офисы</a:t>
+            </a:r>
+            <a:br>
+              <a:rPr lang="ru-RU" sz="1200" dirty="0">
+                <a:solidFill>
+                  <a:srgbClr val="FF0000"/>
+                </a:solidFill>
+                <a:latin typeface="Roboto" panose="02000000000000000000" pitchFamily="2" charset="0"/>
+                <a:ea typeface="Roboto" panose="02000000000000000000" pitchFamily="2" charset="0"/>
+                <a:cs typeface="Roboto" panose="02000000000000000000" pitchFamily="2" charset="0"/>
+              </a:rPr>
+            </a:br>
+            <a:endParaRPr lang="ru-RU" sz="1200" dirty="0">
+              <a:solidFill>
+                <a:srgbClr val="FF0000"/>
+              </a:solidFill>
+              <a:latin typeface="Roboto" panose="02000000000000000000" pitchFamily="2" charset="0"/>
+              <a:ea typeface="Roboto" panose="02000000000000000000" pitchFamily="2" charset="0"/>
+              <a:cs typeface="Roboto" panose="02000000000000000000" pitchFamily="2" charset="0"/>
+            </a:endParaRPr>
+          </a:p>
+        </p:txBody>
+      </p:sp>
+      <p:sp>
+        <p:nvSpPr>
+          <p:cNvPr id="3" name="Subtitle 2">
+            <a:extLst>
+              <a:ext uri="{FF2B5EF4-FFF2-40B4-BE49-F238E27FC236}">
+                <a16:creationId xmlns:a16="http://schemas.microsoft.com/office/drawing/2014/main" id="{4F860408-B5B9-2D4C-A2D6-E1579E7CCA6B}"/>
+              </a:ext>
+            </a:extLst>
+          </p:cNvPr>
+          <p:cNvSpPr>
+            <a:spLocks noGrp="1"/>
+          </p:cNvSpPr>
+          <p:nvPr>
+            <p:ph type="subTitle" idx="1"/>
+          </p:nvPr>
+        </p:nvSpPr>
+        <p:spPr>
+          <a:xfrm>
+            <a:off x="1751012" y="5312782"/>
+            <a:ext cx="8689976" cy="821800"/>
+          </a:xfrm>
+        </p:spPr>
+        <p:txBody>
+          <a:bodyPr>
+            <a:normAutofit fontScale="62500" lnSpcReduction="20000"/>
+          </a:bodyPr>
+          <a:lstStyle/>
+          <a:p>
+            <a:r>
+              <a:rPr lang="ru-RU" sz="2400" dirty="0">
+                <a:latin typeface="Roboto" panose="02000000000000000000" pitchFamily="2" charset="0"/>
+                <a:ea typeface="Roboto" panose="02000000000000000000" pitchFamily="2" charset="0"/>
+                <a:cs typeface="Roboto" panose="02000000000000000000" pitchFamily="2" charset="0"/>
+              </a:rPr>
+              <a:t>2. выявите сильные стороны в позиционировании, на которые нужно сделать акцент. Объясните, как коммуникация бренда выражается в его визуальных элементах.</a:t>
+            </a:r>
+            <a:endParaRPr lang="ru-RU" dirty="0"/>
+          </a:p>
+        </p:txBody>
+      </p:sp>
+      <p:pic>
+        <p:nvPicPr>
+          <p:cNvPr id="6" name="Graphic 5">
+            <a:extLst>
+              <a:ext uri="{FF2B5EF4-FFF2-40B4-BE49-F238E27FC236}">
+                <a16:creationId xmlns:a16="http://schemas.microsoft.com/office/drawing/2014/main" id="{8C41787C-423F-2749-866A-FED6F8408031}"/>
+              </a:ext>
+            </a:extLst>
+          </p:cNvPr>
+          <p:cNvPicPr>
+            <a:picLocks noChangeAspect="1"/>
+          </p:cNvPicPr>
+          <p:nvPr/>
+        </p:nvPicPr>
+        <p:blipFill>
+          <a:blip r:embed="rId2">
+            <a:extLst>
+              <a:ext uri="{96DAC541-7B7A-43D3-8B79-37D633B846F1}">
+                <asvg:svgBlip xmlns:asvg="http://schemas.microsoft.com/office/drawing/2016/SVG/main" r:embed="rId3"/>
+              </a:ext>
+            </a:extLst>
+          </a:blip>
+          <a:stretch>
+            <a:fillRect/>
+          </a:stretch>
+        </p:blipFill>
+        <p:spPr>
+          <a:xfrm>
+            <a:off x="3703898" y="277846"/>
+            <a:ext cx="3831221" cy="474509"/>
+          </a:xfrm>
+          <a:prstGeom prst="rect">
+            <a:avLst/>
+          </a:prstGeom>
+        </p:spPr>
+      </p:pic>
+    </p:spTree>
+    <p:extLst>
+      <p:ext uri="{BB962C8B-B14F-4D97-AF65-F5344CB8AC3E}">
+        <p14:creationId xmlns:p14="http://schemas.microsoft.com/office/powerpoint/2010/main" val="460163524"/>
       </p:ext>
     </p:extLst>
   </p:cSld>

--- a/hw1-melchuk.pptx
+++ b/hw1-melchuk.pptx
@@ -6444,6 +6444,42 @@
           </a:p>
         </p:txBody>
       </p:sp>
+      <p:pic>
+        <p:nvPicPr>
+          <p:cNvPr id="4" name="Graphic 3">
+            <a:extLst>
+              <a:ext uri="{FF2B5EF4-FFF2-40B4-BE49-F238E27FC236}">
+                <a16:creationId xmlns:a16="http://schemas.microsoft.com/office/drawing/2014/main" id="{EDF95FE2-2BBA-0A42-867B-CCEA59A8D4F8}"/>
+              </a:ext>
+            </a:extLst>
+          </p:cNvPr>
+          <p:cNvPicPr>
+            <a:picLocks noChangeAspect="1"/>
+          </p:cNvPicPr>
+          <p:nvPr/>
+        </p:nvPicPr>
+        <p:blipFill>
+          <a:blip r:embed="rId2">
+            <a:extLst>
+              <a:ext uri="{96DAC541-7B7A-43D3-8B79-37D633B846F1}">
+                <asvg:svgBlip xmlns:asvg="http://schemas.microsoft.com/office/drawing/2016/SVG/main" r:embed="rId3"/>
+              </a:ext>
+            </a:extLst>
+          </a:blip>
+          <a:stretch>
+            <a:fillRect/>
+          </a:stretch>
+        </p:blipFill>
+        <p:spPr>
+          <a:xfrm>
+            <a:off x="1853650" y="280213"/>
+            <a:ext cx="3586098" cy="444150"/>
+          </a:xfrm>
+          <a:prstGeom prst="rect">
+            <a:avLst/>
+          </a:prstGeom>
+        </p:spPr>
+      </p:pic>
     </p:spTree>
     <p:extLst>
       <p:ext uri="{BB962C8B-B14F-4D97-AF65-F5344CB8AC3E}">
@@ -7471,6 +7507,7 @@
           </a:bodyPr>
           <a:lstStyle/>
           <a:p>
+            <a:pPr algn="l"/>
             <a:r>
               <a:rPr lang="en-US" sz="2400" dirty="0">
                 <a:latin typeface="Roboto" panose="02000000000000000000" pitchFamily="2" charset="0"/>
@@ -7493,10 +7530,10 @@
       </p:sp>
       <p:pic>
         <p:nvPicPr>
-          <p:cNvPr id="5" name="Graphic 4">
+          <p:cNvPr id="6" name="Graphic 5">
             <a:extLst>
               <a:ext uri="{FF2B5EF4-FFF2-40B4-BE49-F238E27FC236}">
-                <a16:creationId xmlns:a16="http://schemas.microsoft.com/office/drawing/2014/main" id="{8099730E-0363-6B41-AAF7-4B4A186BA9E3}"/>
+                <a16:creationId xmlns:a16="http://schemas.microsoft.com/office/drawing/2014/main" id="{D34FBCC9-F535-9243-8B33-F4DAEB69426E}"/>
               </a:ext>
             </a:extLst>
           </p:cNvPr>
@@ -7519,8 +7556,8 @@
         </p:blipFill>
         <p:spPr>
           <a:xfrm>
-            <a:off x="3703898" y="277846"/>
-            <a:ext cx="3831221" cy="474509"/>
+            <a:off x="1853650" y="280213"/>
+            <a:ext cx="3586098" cy="444150"/>
           </a:xfrm>
           <a:prstGeom prst="rect">
             <a:avLst/>
@@ -7865,6 +7902,7 @@
           </a:bodyPr>
           <a:lstStyle/>
           <a:p>
+            <a:pPr algn="l"/>
             <a:r>
               <a:rPr lang="ru-RU" sz="2400" dirty="0">
                 <a:latin typeface="Roboto" panose="02000000000000000000" pitchFamily="2" charset="0"/>
@@ -7902,10 +7940,10 @@
       </p:sp>
       <p:pic>
         <p:nvPicPr>
-          <p:cNvPr id="10" name="Graphic 9">
+          <p:cNvPr id="5" name="Graphic 4">
             <a:extLst>
               <a:ext uri="{FF2B5EF4-FFF2-40B4-BE49-F238E27FC236}">
-                <a16:creationId xmlns:a16="http://schemas.microsoft.com/office/drawing/2014/main" id="{06F524B8-55B7-8E49-BD53-116F77C7D3F6}"/>
+                <a16:creationId xmlns:a16="http://schemas.microsoft.com/office/drawing/2014/main" id="{547809FC-39A0-AE42-A50D-0C9C0B00315B}"/>
               </a:ext>
             </a:extLst>
           </p:cNvPr>
@@ -7928,8 +7966,8 @@
         </p:blipFill>
         <p:spPr>
           <a:xfrm>
-            <a:off x="3703898" y="277846"/>
-            <a:ext cx="3831221" cy="474509"/>
+            <a:off x="1853650" y="280213"/>
+            <a:ext cx="3586098" cy="444150"/>
           </a:xfrm>
           <a:prstGeom prst="rect">
             <a:avLst/>
@@ -8543,6 +8581,7 @@
           </a:bodyPr>
           <a:lstStyle/>
           <a:p>
+            <a:pPr algn="l"/>
             <a:r>
               <a:rPr lang="ru-RU" sz="2400" dirty="0">
                 <a:latin typeface="Roboto" panose="02000000000000000000" pitchFamily="2" charset="0"/>
@@ -8557,10 +8596,10 @@
       </p:sp>
       <p:pic>
         <p:nvPicPr>
-          <p:cNvPr id="6" name="Graphic 5">
+          <p:cNvPr id="5" name="Graphic 4">
             <a:extLst>
               <a:ext uri="{FF2B5EF4-FFF2-40B4-BE49-F238E27FC236}">
-                <a16:creationId xmlns:a16="http://schemas.microsoft.com/office/drawing/2014/main" id="{8C41787C-423F-2749-866A-FED6F8408031}"/>
+                <a16:creationId xmlns:a16="http://schemas.microsoft.com/office/drawing/2014/main" id="{34B21888-5256-D047-B5ED-6BCDCBCA3FF7}"/>
               </a:ext>
             </a:extLst>
           </p:cNvPr>
@@ -8583,8 +8622,8 @@
         </p:blipFill>
         <p:spPr>
           <a:xfrm>
-            <a:off x="3703898" y="277846"/>
-            <a:ext cx="3831221" cy="474509"/>
+            <a:off x="1853650" y="280213"/>
+            <a:ext cx="3586098" cy="444150"/>
           </a:xfrm>
           <a:prstGeom prst="rect">
             <a:avLst/>
